--- a/ppt1.pptx
+++ b/ppt1.pptx
@@ -109,6 +109,11 @@
       </a:defRPr>
     </a:lvl9pPr>
   </p:defaultTextStyle>
+  <p:extLst>
+    <p:ext uri="{EFAFB233-063F-42B5-8137-9DF3F51BA10A}">
+      <p15:sldGuideLst xmlns:p15="http://schemas.microsoft.com/office/powerpoint/2012/main"/>
+    </p:ext>
+  </p:extLst>
 </p:presentation>
 </file>
 
@@ -259,7 +264,7 @@
           <a:p>
             <a:fld id="{ABFB58C8-6DBB-42F2-A506-990A5391488F}" type="datetimeFigureOut">
               <a:rPr lang="ko-KR" altLang="en-US" smtClean="0"/>
-              <a:t>2025-05-07</a:t>
+              <a:t>2025-05-21</a:t>
             </a:fld>
             <a:endParaRPr lang="ko-KR" altLang="en-US"/>
           </a:p>
@@ -457,7 +462,7 @@
           <a:p>
             <a:fld id="{ABFB58C8-6DBB-42F2-A506-990A5391488F}" type="datetimeFigureOut">
               <a:rPr lang="ko-KR" altLang="en-US" smtClean="0"/>
-              <a:t>2025-05-07</a:t>
+              <a:t>2025-05-21</a:t>
             </a:fld>
             <a:endParaRPr lang="ko-KR" altLang="en-US"/>
           </a:p>
@@ -665,7 +670,7 @@
           <a:p>
             <a:fld id="{ABFB58C8-6DBB-42F2-A506-990A5391488F}" type="datetimeFigureOut">
               <a:rPr lang="ko-KR" altLang="en-US" smtClean="0"/>
-              <a:t>2025-05-07</a:t>
+              <a:t>2025-05-21</a:t>
             </a:fld>
             <a:endParaRPr lang="ko-KR" altLang="en-US"/>
           </a:p>
@@ -863,7 +868,7 @@
           <a:p>
             <a:fld id="{ABFB58C8-6DBB-42F2-A506-990A5391488F}" type="datetimeFigureOut">
               <a:rPr lang="ko-KR" altLang="en-US" smtClean="0"/>
-              <a:t>2025-05-07</a:t>
+              <a:t>2025-05-21</a:t>
             </a:fld>
             <a:endParaRPr lang="ko-KR" altLang="en-US"/>
           </a:p>
@@ -1138,7 +1143,7 @@
           <a:p>
             <a:fld id="{ABFB58C8-6DBB-42F2-A506-990A5391488F}" type="datetimeFigureOut">
               <a:rPr lang="ko-KR" altLang="en-US" smtClean="0"/>
-              <a:t>2025-05-07</a:t>
+              <a:t>2025-05-21</a:t>
             </a:fld>
             <a:endParaRPr lang="ko-KR" altLang="en-US"/>
           </a:p>
@@ -1403,7 +1408,7 @@
           <a:p>
             <a:fld id="{ABFB58C8-6DBB-42F2-A506-990A5391488F}" type="datetimeFigureOut">
               <a:rPr lang="ko-KR" altLang="en-US" smtClean="0"/>
-              <a:t>2025-05-07</a:t>
+              <a:t>2025-05-21</a:t>
             </a:fld>
             <a:endParaRPr lang="ko-KR" altLang="en-US"/>
           </a:p>
@@ -1815,7 +1820,7 @@
           <a:p>
             <a:fld id="{ABFB58C8-6DBB-42F2-A506-990A5391488F}" type="datetimeFigureOut">
               <a:rPr lang="ko-KR" altLang="en-US" smtClean="0"/>
-              <a:t>2025-05-07</a:t>
+              <a:t>2025-05-21</a:t>
             </a:fld>
             <a:endParaRPr lang="ko-KR" altLang="en-US"/>
           </a:p>
@@ -1956,7 +1961,7 @@
           <a:p>
             <a:fld id="{ABFB58C8-6DBB-42F2-A506-990A5391488F}" type="datetimeFigureOut">
               <a:rPr lang="ko-KR" altLang="en-US" smtClean="0"/>
-              <a:t>2025-05-07</a:t>
+              <a:t>2025-05-21</a:t>
             </a:fld>
             <a:endParaRPr lang="ko-KR" altLang="en-US"/>
           </a:p>
@@ -2069,7 +2074,7 @@
           <a:p>
             <a:fld id="{ABFB58C8-6DBB-42F2-A506-990A5391488F}" type="datetimeFigureOut">
               <a:rPr lang="ko-KR" altLang="en-US" smtClean="0"/>
-              <a:t>2025-05-07</a:t>
+              <a:t>2025-05-21</a:t>
             </a:fld>
             <a:endParaRPr lang="ko-KR" altLang="en-US"/>
           </a:p>
@@ -2380,7 +2385,7 @@
           <a:p>
             <a:fld id="{ABFB58C8-6DBB-42F2-A506-990A5391488F}" type="datetimeFigureOut">
               <a:rPr lang="ko-KR" altLang="en-US" smtClean="0"/>
-              <a:t>2025-05-07</a:t>
+              <a:t>2025-05-21</a:t>
             </a:fld>
             <a:endParaRPr lang="ko-KR" altLang="en-US"/>
           </a:p>
@@ -2668,7 +2673,7 @@
           <a:p>
             <a:fld id="{ABFB58C8-6DBB-42F2-A506-990A5391488F}" type="datetimeFigureOut">
               <a:rPr lang="ko-KR" altLang="en-US" smtClean="0"/>
-              <a:t>2025-05-07</a:t>
+              <a:t>2025-05-21</a:t>
             </a:fld>
             <a:endParaRPr lang="ko-KR" altLang="en-US"/>
           </a:p>
@@ -2909,7 +2914,7 @@
           <a:p>
             <a:fld id="{ABFB58C8-6DBB-42F2-A506-990A5391488F}" type="datetimeFigureOut">
               <a:rPr lang="ko-KR" altLang="en-US" smtClean="0"/>
-              <a:t>2025-05-07</a:t>
+              <a:t>2025-05-21</a:t>
             </a:fld>
             <a:endParaRPr lang="ko-KR" altLang="en-US"/>
           </a:p>
@@ -5799,617 +5804,31 @@
           <a:chExt cx="0" cy="0"/>
         </a:xfrm>
       </p:grpSpPr>
-      <p:sp>
-        <p:nvSpPr>
-          <p:cNvPr id="2" name="직사각형 1">
-            <a:extLst>
-              <a:ext uri="{FF2B5EF4-FFF2-40B4-BE49-F238E27FC236}">
-                <a16:creationId xmlns:a16="http://schemas.microsoft.com/office/drawing/2014/main" id="{365FF2EE-F8E4-4FFF-80EA-A216CB1ECC1B}"/>
-              </a:ext>
-            </a:extLst>
-          </p:cNvPr>
-          <p:cNvSpPr/>
-          <p:nvPr/>
-        </p:nvSpPr>
-        <p:spPr>
-          <a:xfrm>
-            <a:off x="341743" y="1771584"/>
-            <a:ext cx="2484584" cy="602161"/>
-          </a:xfrm>
-          <a:prstGeom prst="rect">
-            <a:avLst/>
-          </a:prstGeom>
-        </p:spPr>
-        <p:style>
-          <a:lnRef idx="2">
-            <a:schemeClr val="accent1">
-              <a:shade val="50000"/>
-            </a:schemeClr>
-          </a:lnRef>
-          <a:fillRef idx="1">
-            <a:schemeClr val="accent1"/>
-          </a:fillRef>
-          <a:effectRef idx="0">
-            <a:schemeClr val="accent1"/>
-          </a:effectRef>
-          <a:fontRef idx="minor">
-            <a:schemeClr val="lt1"/>
-          </a:fontRef>
-        </p:style>
-        <p:txBody>
-          <a:bodyPr rtlCol="0" anchor="ctr"/>
-          <a:lstStyle/>
-          <a:p>
-            <a:pPr algn="ctr"/>
-            <a:r>
-              <a:rPr lang="ko-KR" altLang="en-US" dirty="0" err="1"/>
-              <a:t>클라</a:t>
-            </a:r>
-            <a:r>
-              <a:rPr lang="ko-KR" altLang="en-US" dirty="0"/>
-              <a:t> </a:t>
-            </a:r>
-            <a:r>
-              <a:rPr lang="en-US" altLang="ko-KR" dirty="0"/>
-              <a:t>-&gt; </a:t>
-            </a:r>
-            <a:r>
-              <a:rPr lang="ko-KR" altLang="en-US" dirty="0" err="1"/>
-              <a:t>패킷전송</a:t>
-            </a:r>
-            <a:endParaRPr lang="en-US" altLang="ko-KR" dirty="0"/>
-          </a:p>
-        </p:txBody>
-      </p:sp>
-      <p:sp>
-        <p:nvSpPr>
-          <p:cNvPr id="10" name="TextBox 9">
-            <a:extLst>
-              <a:ext uri="{FF2B5EF4-FFF2-40B4-BE49-F238E27FC236}">
-                <a16:creationId xmlns:a16="http://schemas.microsoft.com/office/drawing/2014/main" id="{13AB5FC0-355D-4BA8-8EE4-9950EA790717}"/>
-              </a:ext>
-            </a:extLst>
-          </p:cNvPr>
-          <p:cNvSpPr txBox="1"/>
-          <p:nvPr/>
-        </p:nvSpPr>
-        <p:spPr>
-          <a:xfrm>
-            <a:off x="2826327" y="286327"/>
-            <a:ext cx="6382328" cy="369332"/>
-          </a:xfrm>
-          <a:prstGeom prst="rect">
-            <a:avLst/>
-          </a:prstGeom>
-          <a:noFill/>
-        </p:spPr>
-        <p:txBody>
-          <a:bodyPr wrap="square" rtlCol="0">
-            <a:spAutoFit/>
-          </a:bodyPr>
-          <a:lstStyle/>
-          <a:p>
-            <a:pPr algn="ctr"/>
-            <a:r>
-              <a:rPr lang="en-US" altLang="ko-KR" b="1" dirty="0"/>
-              <a:t>&lt;</a:t>
-            </a:r>
-            <a:r>
-              <a:rPr lang="ko-KR" altLang="en-US" b="1" dirty="0"/>
-              <a:t>서버 동작 흐름</a:t>
-            </a:r>
-            <a:r>
-              <a:rPr lang="en-US" altLang="ko-KR" b="1" dirty="0"/>
-              <a:t>&gt;</a:t>
-            </a:r>
-            <a:endParaRPr lang="ko-KR" altLang="en-US" b="1" dirty="0"/>
-          </a:p>
-        </p:txBody>
-      </p:sp>
-      <p:sp>
-        <p:nvSpPr>
-          <p:cNvPr id="11" name="직사각형 10">
-            <a:extLst>
-              <a:ext uri="{FF2B5EF4-FFF2-40B4-BE49-F238E27FC236}">
-                <a16:creationId xmlns:a16="http://schemas.microsoft.com/office/drawing/2014/main" id="{8F61133D-3BD6-46C9-A795-1178F5F53DA9}"/>
-              </a:ext>
-            </a:extLst>
-          </p:cNvPr>
-          <p:cNvSpPr/>
-          <p:nvPr/>
-        </p:nvSpPr>
-        <p:spPr>
-          <a:xfrm>
-            <a:off x="3327399" y="1771582"/>
-            <a:ext cx="2484584" cy="602161"/>
-          </a:xfrm>
-          <a:prstGeom prst="rect">
-            <a:avLst/>
-          </a:prstGeom>
-        </p:spPr>
-        <p:style>
-          <a:lnRef idx="2">
-            <a:schemeClr val="accent1">
-              <a:shade val="50000"/>
-            </a:schemeClr>
-          </a:lnRef>
-          <a:fillRef idx="1">
-            <a:schemeClr val="accent1"/>
-          </a:fillRef>
-          <a:effectRef idx="0">
-            <a:schemeClr val="accent1"/>
-          </a:effectRef>
-          <a:fontRef idx="minor">
-            <a:schemeClr val="lt1"/>
-          </a:fontRef>
-        </p:style>
-        <p:txBody>
-          <a:bodyPr rtlCol="0" anchor="ctr"/>
-          <a:lstStyle/>
-          <a:p>
-            <a:pPr algn="ctr"/>
-            <a:r>
-              <a:rPr lang="ko-KR" altLang="en-US"/>
-              <a:t>수신 인터럽트</a:t>
-            </a:r>
-            <a:endParaRPr lang="en-US" altLang="ko-KR" dirty="0"/>
-          </a:p>
-        </p:txBody>
-      </p:sp>
-      <p:sp>
-        <p:nvSpPr>
-          <p:cNvPr id="12" name="직사각형 11">
-            <a:extLst>
-              <a:ext uri="{FF2B5EF4-FFF2-40B4-BE49-F238E27FC236}">
-                <a16:creationId xmlns:a16="http://schemas.microsoft.com/office/drawing/2014/main" id="{D0B1E830-D5AF-4FB0-B970-BF31A32EF3F8}"/>
-              </a:ext>
-            </a:extLst>
-          </p:cNvPr>
-          <p:cNvSpPr/>
-          <p:nvPr/>
-        </p:nvSpPr>
-        <p:spPr>
-          <a:xfrm>
-            <a:off x="6313056" y="1771583"/>
-            <a:ext cx="2484584" cy="602161"/>
-          </a:xfrm>
-          <a:prstGeom prst="rect">
-            <a:avLst/>
-          </a:prstGeom>
-        </p:spPr>
-        <p:style>
-          <a:lnRef idx="2">
-            <a:schemeClr val="accent1">
-              <a:shade val="50000"/>
-            </a:schemeClr>
-          </a:lnRef>
-          <a:fillRef idx="1">
-            <a:schemeClr val="accent1"/>
-          </a:fillRef>
-          <a:effectRef idx="0">
-            <a:schemeClr val="accent1"/>
-          </a:effectRef>
-          <a:fontRef idx="minor">
-            <a:schemeClr val="lt1"/>
-          </a:fontRef>
-        </p:style>
-        <p:txBody>
-          <a:bodyPr rtlCol="0" anchor="ctr"/>
-          <a:lstStyle/>
-          <a:p>
-            <a:pPr algn="ctr"/>
-            <a:r>
-              <a:rPr lang="en-US" altLang="ko-KR" dirty="0" err="1"/>
-              <a:t>Async_read</a:t>
-            </a:r>
-            <a:r>
-              <a:rPr lang="en-US" altLang="ko-KR" dirty="0"/>
-              <a:t> </a:t>
-            </a:r>
-            <a:r>
-              <a:rPr lang="ko-KR" altLang="en-US" dirty="0"/>
-              <a:t>실행</a:t>
-            </a:r>
-            <a:endParaRPr lang="en-US" altLang="ko-KR" dirty="0"/>
-          </a:p>
-          <a:p>
-            <a:pPr algn="ctr"/>
-            <a:r>
-              <a:rPr lang="en-US" altLang="ko-KR" dirty="0"/>
-              <a:t>(</a:t>
-            </a:r>
-            <a:r>
-              <a:rPr lang="ko-KR" altLang="en-US" dirty="0"/>
-              <a:t>유효성 검사</a:t>
-            </a:r>
-            <a:r>
-              <a:rPr lang="en-US" altLang="ko-KR" dirty="0"/>
-              <a:t>)</a:t>
-            </a:r>
-          </a:p>
-        </p:txBody>
-      </p:sp>
-      <p:sp>
-        <p:nvSpPr>
-          <p:cNvPr id="13" name="직사각형 12">
-            <a:extLst>
-              <a:ext uri="{FF2B5EF4-FFF2-40B4-BE49-F238E27FC236}">
-                <a16:creationId xmlns:a16="http://schemas.microsoft.com/office/drawing/2014/main" id="{636661C8-6A3D-411C-84D8-9E29D3FEEEDB}"/>
-              </a:ext>
-            </a:extLst>
-          </p:cNvPr>
-          <p:cNvSpPr/>
-          <p:nvPr/>
-        </p:nvSpPr>
-        <p:spPr>
-          <a:xfrm>
-            <a:off x="9208655" y="1771582"/>
-            <a:ext cx="2484584" cy="602161"/>
-          </a:xfrm>
-          <a:prstGeom prst="rect">
-            <a:avLst/>
-          </a:prstGeom>
-        </p:spPr>
-        <p:style>
-          <a:lnRef idx="2">
-            <a:schemeClr val="accent1">
-              <a:shade val="50000"/>
-            </a:schemeClr>
-          </a:lnRef>
-          <a:fillRef idx="1">
-            <a:schemeClr val="accent1"/>
-          </a:fillRef>
-          <a:effectRef idx="0">
-            <a:schemeClr val="accent1"/>
-          </a:effectRef>
-          <a:fontRef idx="minor">
-            <a:schemeClr val="lt1"/>
-          </a:fontRef>
-        </p:style>
-        <p:txBody>
-          <a:bodyPr rtlCol="0" anchor="ctr"/>
-          <a:lstStyle/>
-          <a:p>
-            <a:pPr algn="ctr"/>
-            <a:r>
-              <a:rPr lang="ko-KR" altLang="en-US" dirty="0"/>
-              <a:t>큐매니저 </a:t>
-            </a:r>
-            <a:r>
-              <a:rPr lang="en-US" altLang="ko-KR" dirty="0" err="1"/>
-              <a:t>TaskQueue</a:t>
-            </a:r>
-            <a:r>
-              <a:rPr lang="ko-KR" altLang="en-US" dirty="0"/>
-              <a:t>에 </a:t>
-            </a:r>
-            <a:r>
-              <a:rPr lang="en-US" altLang="ko-KR" dirty="0"/>
-              <a:t>PUSH</a:t>
-            </a:r>
-          </a:p>
-        </p:txBody>
-      </p:sp>
-      <p:sp>
-        <p:nvSpPr>
-          <p:cNvPr id="15" name="직사각형 14">
-            <a:extLst>
-              <a:ext uri="{FF2B5EF4-FFF2-40B4-BE49-F238E27FC236}">
-                <a16:creationId xmlns:a16="http://schemas.microsoft.com/office/drawing/2014/main" id="{F2A7C34F-7149-4064-874D-40696762761C}"/>
-              </a:ext>
-            </a:extLst>
-          </p:cNvPr>
-          <p:cNvSpPr/>
-          <p:nvPr/>
-        </p:nvSpPr>
-        <p:spPr>
-          <a:xfrm>
-            <a:off x="341743" y="3429000"/>
-            <a:ext cx="2484584" cy="602161"/>
-          </a:xfrm>
-          <a:prstGeom prst="rect">
-            <a:avLst/>
-          </a:prstGeom>
-        </p:spPr>
-        <p:style>
-          <a:lnRef idx="2">
-            <a:schemeClr val="accent1">
-              <a:shade val="50000"/>
-            </a:schemeClr>
-          </a:lnRef>
-          <a:fillRef idx="1">
-            <a:schemeClr val="accent1"/>
-          </a:fillRef>
-          <a:effectRef idx="0">
-            <a:schemeClr val="accent1"/>
-          </a:effectRef>
-          <a:fontRef idx="minor">
-            <a:schemeClr val="lt1"/>
-          </a:fontRef>
-        </p:style>
-        <p:txBody>
-          <a:bodyPr rtlCol="0" anchor="ctr"/>
-          <a:lstStyle/>
-          <a:p>
-            <a:pPr algn="ctr"/>
-            <a:r>
-              <a:rPr lang="en-US" altLang="ko-KR" dirty="0"/>
-              <a:t>Wait </a:t>
-            </a:r>
-            <a:r>
-              <a:rPr lang="ko-KR" altLang="en-US" dirty="0"/>
-              <a:t>중이던 </a:t>
-            </a:r>
-            <a:endParaRPr lang="en-US" altLang="ko-KR" dirty="0"/>
-          </a:p>
-          <a:p>
-            <a:pPr algn="ctr"/>
-            <a:r>
-              <a:rPr lang="ko-KR" altLang="en-US" dirty="0" err="1"/>
-              <a:t>일꾼스레드</a:t>
-            </a:r>
-            <a:r>
-              <a:rPr lang="ko-KR" altLang="en-US" dirty="0"/>
-              <a:t> 기상</a:t>
-            </a:r>
-            <a:endParaRPr lang="en-US" altLang="ko-KR" dirty="0"/>
-          </a:p>
-        </p:txBody>
-      </p:sp>
-      <p:sp>
-        <p:nvSpPr>
-          <p:cNvPr id="17" name="직사각형 16">
-            <a:extLst>
-              <a:ext uri="{FF2B5EF4-FFF2-40B4-BE49-F238E27FC236}">
-                <a16:creationId xmlns:a16="http://schemas.microsoft.com/office/drawing/2014/main" id="{62B8BC4C-0DF5-4CAD-892E-FC64D67B07F3}"/>
-              </a:ext>
-            </a:extLst>
-          </p:cNvPr>
-          <p:cNvSpPr/>
-          <p:nvPr/>
-        </p:nvSpPr>
-        <p:spPr>
-          <a:xfrm>
-            <a:off x="3327399" y="3428999"/>
-            <a:ext cx="2484584" cy="602161"/>
-          </a:xfrm>
-          <a:prstGeom prst="rect">
-            <a:avLst/>
-          </a:prstGeom>
-        </p:spPr>
-        <p:style>
-          <a:lnRef idx="2">
-            <a:schemeClr val="accent1">
-              <a:shade val="50000"/>
-            </a:schemeClr>
-          </a:lnRef>
-          <a:fillRef idx="1">
-            <a:schemeClr val="accent1"/>
-          </a:fillRef>
-          <a:effectRef idx="0">
-            <a:schemeClr val="accent1"/>
-          </a:effectRef>
-          <a:fontRef idx="minor">
-            <a:schemeClr val="lt1"/>
-          </a:fontRef>
-        </p:style>
-        <p:txBody>
-          <a:bodyPr rtlCol="0" anchor="ctr"/>
-          <a:lstStyle/>
-          <a:p>
-            <a:pPr algn="ctr"/>
-            <a:r>
-              <a:rPr lang="en-US" altLang="ko-KR" dirty="0"/>
-              <a:t>Task </a:t>
-            </a:r>
-            <a:r>
-              <a:rPr lang="ko-KR" altLang="en-US" dirty="0"/>
-              <a:t>처리</a:t>
-            </a:r>
-            <a:r>
-              <a:rPr lang="en-US" altLang="ko-KR" dirty="0"/>
-              <a:t>&amp;</a:t>
-            </a:r>
-            <a:r>
-              <a:rPr lang="ko-KR" altLang="en-US" dirty="0"/>
-              <a:t>가공</a:t>
-            </a:r>
-            <a:endParaRPr lang="en-US" altLang="ko-KR" dirty="0"/>
-          </a:p>
-        </p:txBody>
-      </p:sp>
-      <p:sp>
-        <p:nvSpPr>
-          <p:cNvPr id="18" name="직사각형 17">
-            <a:extLst>
-              <a:ext uri="{FF2B5EF4-FFF2-40B4-BE49-F238E27FC236}">
-                <a16:creationId xmlns:a16="http://schemas.microsoft.com/office/drawing/2014/main" id="{707F07BF-FBE2-46FD-8119-5B3001B24252}"/>
-              </a:ext>
-            </a:extLst>
-          </p:cNvPr>
-          <p:cNvSpPr/>
-          <p:nvPr/>
-        </p:nvSpPr>
-        <p:spPr>
-          <a:xfrm>
-            <a:off x="6313056" y="3428998"/>
-            <a:ext cx="2484584" cy="602161"/>
-          </a:xfrm>
-          <a:prstGeom prst="rect">
-            <a:avLst/>
-          </a:prstGeom>
-        </p:spPr>
-        <p:style>
-          <a:lnRef idx="2">
-            <a:schemeClr val="accent1">
-              <a:shade val="50000"/>
-            </a:schemeClr>
-          </a:lnRef>
-          <a:fillRef idx="1">
-            <a:schemeClr val="accent1"/>
-          </a:fillRef>
-          <a:effectRef idx="0">
-            <a:schemeClr val="accent1"/>
-          </a:effectRef>
-          <a:fontRef idx="minor">
-            <a:schemeClr val="lt1"/>
-          </a:fontRef>
-        </p:style>
-        <p:txBody>
-          <a:bodyPr rtlCol="0" anchor="ctr"/>
-          <a:lstStyle/>
-          <a:p>
-            <a:pPr algn="ctr"/>
-            <a:r>
-              <a:rPr lang="ko-KR" altLang="en-US" dirty="0"/>
-              <a:t>해당 세션의 </a:t>
-            </a:r>
-            <a:endParaRPr lang="en-US" altLang="ko-KR" dirty="0"/>
-          </a:p>
-          <a:p>
-            <a:pPr algn="ctr"/>
-            <a:r>
-              <a:rPr lang="ko-KR" altLang="en-US" dirty="0"/>
-              <a:t>송신 큐에 삽입</a:t>
-            </a:r>
-            <a:endParaRPr lang="en-US" altLang="ko-KR" dirty="0"/>
-          </a:p>
-        </p:txBody>
-      </p:sp>
-      <p:sp>
-        <p:nvSpPr>
-          <p:cNvPr id="19" name="직사각형 18">
-            <a:extLst>
-              <a:ext uri="{FF2B5EF4-FFF2-40B4-BE49-F238E27FC236}">
-                <a16:creationId xmlns:a16="http://schemas.microsoft.com/office/drawing/2014/main" id="{9961581D-D6D5-4CC5-A89C-096B4692956D}"/>
-              </a:ext>
-            </a:extLst>
-          </p:cNvPr>
-          <p:cNvSpPr/>
-          <p:nvPr/>
-        </p:nvSpPr>
-        <p:spPr>
-          <a:xfrm>
-            <a:off x="3327399" y="4785335"/>
-            <a:ext cx="2484584" cy="602161"/>
-          </a:xfrm>
-          <a:prstGeom prst="rect">
-            <a:avLst/>
-          </a:prstGeom>
-        </p:spPr>
-        <p:style>
-          <a:lnRef idx="2">
-            <a:schemeClr val="accent1">
-              <a:shade val="50000"/>
-            </a:schemeClr>
-          </a:lnRef>
-          <a:fillRef idx="1">
-            <a:schemeClr val="accent1"/>
-          </a:fillRef>
-          <a:effectRef idx="0">
-            <a:schemeClr val="accent1"/>
-          </a:effectRef>
-          <a:fontRef idx="minor">
-            <a:schemeClr val="lt1"/>
-          </a:fontRef>
-        </p:style>
-        <p:txBody>
-          <a:bodyPr rtlCol="0" anchor="ctr"/>
-          <a:lstStyle/>
-          <a:p>
-            <a:pPr algn="ctr"/>
-            <a:r>
-              <a:rPr lang="ko-KR" altLang="en-US" dirty="0"/>
-              <a:t>모든 세션의 </a:t>
-            </a:r>
-            <a:endParaRPr lang="en-US" altLang="ko-KR" dirty="0"/>
-          </a:p>
-          <a:p>
-            <a:pPr algn="ctr"/>
-            <a:r>
-              <a:rPr lang="ko-KR" altLang="en-US" dirty="0"/>
-              <a:t>송신 큐에 삽입</a:t>
-            </a:r>
-            <a:endParaRPr lang="en-US" altLang="ko-KR" dirty="0"/>
-          </a:p>
-        </p:txBody>
-      </p:sp>
-      <p:sp>
-        <p:nvSpPr>
-          <p:cNvPr id="20" name="직사각형 19">
-            <a:extLst>
-              <a:ext uri="{FF2B5EF4-FFF2-40B4-BE49-F238E27FC236}">
-                <a16:creationId xmlns:a16="http://schemas.microsoft.com/office/drawing/2014/main" id="{DADCB150-A6F2-4E00-9BE2-B3AF6D08D250}"/>
-              </a:ext>
-            </a:extLst>
-          </p:cNvPr>
-          <p:cNvSpPr/>
-          <p:nvPr/>
-        </p:nvSpPr>
-        <p:spPr>
-          <a:xfrm>
-            <a:off x="9003147" y="4785335"/>
-            <a:ext cx="2484584" cy="602161"/>
-          </a:xfrm>
-          <a:prstGeom prst="rect">
-            <a:avLst/>
-          </a:prstGeom>
-        </p:spPr>
-        <p:style>
-          <a:lnRef idx="2">
-            <a:schemeClr val="accent1">
-              <a:shade val="50000"/>
-            </a:schemeClr>
-          </a:lnRef>
-          <a:fillRef idx="1">
-            <a:schemeClr val="accent1"/>
-          </a:fillRef>
-          <a:effectRef idx="0">
-            <a:schemeClr val="accent1"/>
-          </a:effectRef>
-          <a:fontRef idx="minor">
-            <a:schemeClr val="lt1"/>
-          </a:fontRef>
-        </p:style>
-        <p:txBody>
-          <a:bodyPr rtlCol="0" anchor="ctr"/>
-          <a:lstStyle/>
-          <a:p>
-            <a:pPr algn="ctr"/>
-            <a:r>
-              <a:rPr lang="ko-KR" altLang="en-US" dirty="0" err="1"/>
-              <a:t>클라로</a:t>
-            </a:r>
-            <a:r>
-              <a:rPr lang="ko-KR" altLang="en-US" dirty="0"/>
-              <a:t> 전송</a:t>
-            </a:r>
-            <a:endParaRPr lang="en-US" altLang="ko-KR" dirty="0"/>
-          </a:p>
-        </p:txBody>
-      </p:sp>
       <p:cxnSp>
         <p:nvCxnSpPr>
-          <p:cNvPr id="8" name="직선 화살표 연결선 7">
-            <a:extLst>
-              <a:ext uri="{FF2B5EF4-FFF2-40B4-BE49-F238E27FC236}">
-                <a16:creationId xmlns:a16="http://schemas.microsoft.com/office/drawing/2014/main" id="{2A13C5FE-9AC2-4BE4-A374-490199AD63F7}"/>
+          <p:cNvPr id="7" name="연결선: 꺾임 6">
+            <a:extLst>
+              <a:ext uri="{FF2B5EF4-FFF2-40B4-BE49-F238E27FC236}">
+                <a16:creationId xmlns:a16="http://schemas.microsoft.com/office/drawing/2014/main" id="{E7DF9FA1-088B-4818-B8FF-435B961C110B}"/>
               </a:ext>
             </a:extLst>
           </p:cNvPr>
           <p:cNvCxnSpPr>
-            <a:stCxn id="2" idx="3"/>
-            <a:endCxn id="11" idx="1"/>
+            <a:cxnSpLocks/>
+            <a:stCxn id="40" idx="3"/>
           </p:cNvCxnSpPr>
           <p:nvPr/>
         </p:nvCxnSpPr>
         <p:spPr>
-          <a:xfrm flipV="1">
-            <a:off x="2826327" y="2072663"/>
-            <a:ext cx="501072" cy="2"/>
-          </a:xfrm>
-          <a:prstGeom prst="straightConnector1">
-            <a:avLst/>
+          <a:xfrm flipH="1" flipV="1">
+            <a:off x="9835006" y="2555826"/>
+            <a:ext cx="1330385" cy="3518571"/>
+          </a:xfrm>
+          <a:prstGeom prst="bentConnector4">
+            <a:avLst>
+              <a:gd name="adj1" fmla="val -17183"/>
+              <a:gd name="adj2" fmla="val 53429"/>
+            </a:avLst>
           </a:prstGeom>
           <a:ln>
             <a:tailEnd type="triangle"/>
@@ -6432,23 +5851,669 @@
       </p:cxnSp>
       <p:cxnSp>
         <p:nvCxnSpPr>
-          <p:cNvPr id="21" name="직선 화살표 연결선 20">
-            <a:extLst>
-              <a:ext uri="{FF2B5EF4-FFF2-40B4-BE49-F238E27FC236}">
-                <a16:creationId xmlns:a16="http://schemas.microsoft.com/office/drawing/2014/main" id="{0404FCBC-5838-4622-BE7F-864F49F24139}"/>
+          <p:cNvPr id="114" name="연결선: 꺾임 113">
+            <a:extLst>
+              <a:ext uri="{FF2B5EF4-FFF2-40B4-BE49-F238E27FC236}">
+                <a16:creationId xmlns:a16="http://schemas.microsoft.com/office/drawing/2014/main" id="{9ABEBD93-5990-4A3A-809B-7C1FDFF21DA7}"/>
               </a:ext>
             </a:extLst>
           </p:cNvPr>
           <p:cNvCxnSpPr>
-            <a:stCxn id="11" idx="3"/>
-            <a:endCxn id="12" idx="1"/>
+            <a:cxnSpLocks/>
+            <a:stCxn id="101" idx="1"/>
           </p:cNvCxnSpPr>
           <p:nvPr/>
         </p:nvCxnSpPr>
         <p:spPr>
-          <a:xfrm>
-            <a:off x="5811983" y="2072663"/>
-            <a:ext cx="501073" cy="1"/>
+          <a:xfrm rot="10800000">
+            <a:off x="8047036" y="332509"/>
+            <a:ext cx="889312" cy="2038653"/>
+          </a:xfrm>
+          <a:prstGeom prst="bentConnector2">
+            <a:avLst/>
+          </a:prstGeom>
+          <a:ln>
+            <a:tailEnd type="triangle"/>
+          </a:ln>
+        </p:spPr>
+        <p:style>
+          <a:lnRef idx="1">
+            <a:schemeClr val="accent1"/>
+          </a:lnRef>
+          <a:fillRef idx="0">
+            <a:schemeClr val="accent1"/>
+          </a:fillRef>
+          <a:effectRef idx="0">
+            <a:schemeClr val="accent1"/>
+          </a:effectRef>
+          <a:fontRef idx="minor">
+            <a:schemeClr val="tx1"/>
+          </a:fontRef>
+        </p:style>
+      </p:cxnSp>
+      <p:sp>
+        <p:nvSpPr>
+          <p:cNvPr id="2" name="직사각형 1">
+            <a:extLst>
+              <a:ext uri="{FF2B5EF4-FFF2-40B4-BE49-F238E27FC236}">
+                <a16:creationId xmlns:a16="http://schemas.microsoft.com/office/drawing/2014/main" id="{365FF2EE-F8E4-4FFF-80EA-A216CB1ECC1B}"/>
+              </a:ext>
+            </a:extLst>
+          </p:cNvPr>
+          <p:cNvSpPr/>
+          <p:nvPr/>
+        </p:nvSpPr>
+        <p:spPr>
+          <a:xfrm>
+            <a:off x="0" y="3671558"/>
+            <a:ext cx="1414648" cy="602161"/>
+          </a:xfrm>
+          <a:prstGeom prst="rect">
+            <a:avLst/>
+          </a:prstGeom>
+        </p:spPr>
+        <p:style>
+          <a:lnRef idx="2">
+            <a:schemeClr val="accent1">
+              <a:shade val="50000"/>
+            </a:schemeClr>
+          </a:lnRef>
+          <a:fillRef idx="1">
+            <a:schemeClr val="accent1"/>
+          </a:fillRef>
+          <a:effectRef idx="0">
+            <a:schemeClr val="accent1"/>
+          </a:effectRef>
+          <a:fontRef idx="minor">
+            <a:schemeClr val="lt1"/>
+          </a:fontRef>
+        </p:style>
+        <p:txBody>
+          <a:bodyPr rtlCol="0" anchor="ctr"/>
+          <a:lstStyle/>
+          <a:p>
+            <a:pPr algn="ctr"/>
+            <a:r>
+              <a:rPr lang="ko-KR" altLang="en-US"/>
+              <a:t>서버시작</a:t>
+            </a:r>
+            <a:endParaRPr lang="en-US" altLang="ko-KR" dirty="0"/>
+          </a:p>
+        </p:txBody>
+      </p:sp>
+      <p:sp>
+        <p:nvSpPr>
+          <p:cNvPr id="11" name="직사각형 10">
+            <a:extLst>
+              <a:ext uri="{FF2B5EF4-FFF2-40B4-BE49-F238E27FC236}">
+                <a16:creationId xmlns:a16="http://schemas.microsoft.com/office/drawing/2014/main" id="{8F61133D-3BD6-46C9-A795-1178F5F53DA9}"/>
+              </a:ext>
+            </a:extLst>
+          </p:cNvPr>
+          <p:cNvSpPr/>
+          <p:nvPr/>
+        </p:nvSpPr>
+        <p:spPr>
+          <a:xfrm>
+            <a:off x="2718402" y="878845"/>
+            <a:ext cx="1758597" cy="602161"/>
+          </a:xfrm>
+          <a:prstGeom prst="rect">
+            <a:avLst/>
+          </a:prstGeom>
+        </p:spPr>
+        <p:style>
+          <a:lnRef idx="2">
+            <a:schemeClr val="accent1">
+              <a:shade val="50000"/>
+            </a:schemeClr>
+          </a:lnRef>
+          <a:fillRef idx="1">
+            <a:schemeClr val="accent1"/>
+          </a:fillRef>
+          <a:effectRef idx="0">
+            <a:schemeClr val="accent1"/>
+          </a:effectRef>
+          <a:fontRef idx="minor">
+            <a:schemeClr val="lt1"/>
+          </a:fontRef>
+        </p:style>
+        <p:txBody>
+          <a:bodyPr rtlCol="0" anchor="ctr"/>
+          <a:lstStyle/>
+          <a:p>
+            <a:pPr algn="ctr"/>
+            <a:r>
+              <a:rPr lang="en-US" altLang="ko-KR" dirty="0"/>
+              <a:t>Net</a:t>
+            </a:r>
+            <a:r>
+              <a:rPr lang="ko-KR" altLang="en-US" dirty="0"/>
+              <a:t> </a:t>
+            </a:r>
+            <a:endParaRPr lang="en-US" altLang="ko-KR" dirty="0"/>
+          </a:p>
+          <a:p>
+            <a:pPr algn="ctr"/>
+            <a:r>
+              <a:rPr lang="en-US" altLang="ko-KR" dirty="0"/>
+              <a:t>Thread</a:t>
+            </a:r>
+            <a:r>
+              <a:rPr lang="ko-KR" altLang="en-US" dirty="0"/>
+              <a:t> </a:t>
+            </a:r>
+            <a:r>
+              <a:rPr lang="en-US" altLang="ko-KR" dirty="0"/>
+              <a:t>Pool</a:t>
+            </a:r>
+          </a:p>
+        </p:txBody>
+      </p:sp>
+      <p:sp>
+        <p:nvSpPr>
+          <p:cNvPr id="48" name="TextBox 47">
+            <a:extLst>
+              <a:ext uri="{FF2B5EF4-FFF2-40B4-BE49-F238E27FC236}">
+                <a16:creationId xmlns:a16="http://schemas.microsoft.com/office/drawing/2014/main" id="{25285EA4-0912-49AB-8DFB-1A11A2B6A236}"/>
+              </a:ext>
+            </a:extLst>
+          </p:cNvPr>
+          <p:cNvSpPr txBox="1"/>
+          <p:nvPr/>
+        </p:nvSpPr>
+        <p:spPr>
+          <a:xfrm>
+            <a:off x="9306550" y="4293599"/>
+            <a:ext cx="1407758" cy="369332"/>
+          </a:xfrm>
+          <a:prstGeom prst="rect">
+            <a:avLst/>
+          </a:prstGeom>
+          <a:noFill/>
+        </p:spPr>
+        <p:txBody>
+          <a:bodyPr wrap="none" rtlCol="0">
+            <a:spAutoFit/>
+          </a:bodyPr>
+          <a:lstStyle/>
+          <a:p>
+            <a:r>
+              <a:rPr lang="en-US" altLang="ko-KR" dirty="0"/>
+              <a:t>&lt;Optional&gt;</a:t>
+            </a:r>
+            <a:endParaRPr lang="ko-KR" altLang="en-US" dirty="0"/>
+          </a:p>
+        </p:txBody>
+      </p:sp>
+      <p:sp>
+        <p:nvSpPr>
+          <p:cNvPr id="32" name="직사각형 31">
+            <a:extLst>
+              <a:ext uri="{FF2B5EF4-FFF2-40B4-BE49-F238E27FC236}">
+                <a16:creationId xmlns:a16="http://schemas.microsoft.com/office/drawing/2014/main" id="{0D5D8927-AD5C-418F-9FE3-EE05B97105BD}"/>
+              </a:ext>
+            </a:extLst>
+          </p:cNvPr>
+          <p:cNvSpPr/>
+          <p:nvPr/>
+        </p:nvSpPr>
+        <p:spPr>
+          <a:xfrm>
+            <a:off x="8955711" y="241253"/>
+            <a:ext cx="1758597" cy="602161"/>
+          </a:xfrm>
+          <a:prstGeom prst="rect">
+            <a:avLst/>
+          </a:prstGeom>
+        </p:spPr>
+        <p:style>
+          <a:lnRef idx="2">
+            <a:schemeClr val="accent1">
+              <a:shade val="50000"/>
+            </a:schemeClr>
+          </a:lnRef>
+          <a:fillRef idx="1">
+            <a:schemeClr val="accent1"/>
+          </a:fillRef>
+          <a:effectRef idx="0">
+            <a:schemeClr val="accent1"/>
+          </a:effectRef>
+          <a:fontRef idx="minor">
+            <a:schemeClr val="lt1"/>
+          </a:fontRef>
+        </p:style>
+        <p:txBody>
+          <a:bodyPr rtlCol="0" anchor="ctr"/>
+          <a:lstStyle/>
+          <a:p>
+            <a:pPr algn="ctr"/>
+            <a:r>
+              <a:rPr lang="en-US" altLang="ko-KR" dirty="0"/>
+              <a:t>Logic</a:t>
+            </a:r>
+          </a:p>
+          <a:p>
+            <a:pPr algn="ctr"/>
+            <a:r>
+              <a:rPr lang="en-US" altLang="ko-KR" dirty="0"/>
+              <a:t>Thread Pool</a:t>
+            </a:r>
+          </a:p>
+        </p:txBody>
+      </p:sp>
+      <p:sp>
+        <p:nvSpPr>
+          <p:cNvPr id="34" name="직사각형 33">
+            <a:extLst>
+              <a:ext uri="{FF2B5EF4-FFF2-40B4-BE49-F238E27FC236}">
+                <a16:creationId xmlns:a16="http://schemas.microsoft.com/office/drawing/2014/main" id="{98530CB0-9A31-4535-8E37-6B76835102B4}"/>
+              </a:ext>
+            </a:extLst>
+          </p:cNvPr>
+          <p:cNvSpPr/>
+          <p:nvPr/>
+        </p:nvSpPr>
+        <p:spPr>
+          <a:xfrm>
+            <a:off x="9406794" y="4628805"/>
+            <a:ext cx="1758597" cy="602161"/>
+          </a:xfrm>
+          <a:prstGeom prst="rect">
+            <a:avLst/>
+          </a:prstGeom>
+        </p:spPr>
+        <p:style>
+          <a:lnRef idx="2">
+            <a:schemeClr val="accent1">
+              <a:shade val="50000"/>
+            </a:schemeClr>
+          </a:lnRef>
+          <a:fillRef idx="1">
+            <a:schemeClr val="accent1"/>
+          </a:fillRef>
+          <a:effectRef idx="0">
+            <a:schemeClr val="accent1"/>
+          </a:effectRef>
+          <a:fontRef idx="minor">
+            <a:schemeClr val="lt1"/>
+          </a:fontRef>
+        </p:style>
+        <p:txBody>
+          <a:bodyPr rtlCol="0" anchor="ctr"/>
+          <a:lstStyle/>
+          <a:p>
+            <a:pPr algn="ctr"/>
+            <a:r>
+              <a:rPr lang="en-US" altLang="ko-KR" dirty="0" err="1"/>
+              <a:t>DBManager</a:t>
+            </a:r>
+            <a:endParaRPr lang="en-US" altLang="ko-KR" dirty="0"/>
+          </a:p>
+        </p:txBody>
+      </p:sp>
+      <p:sp>
+        <p:nvSpPr>
+          <p:cNvPr id="36" name="직사각형 35">
+            <a:extLst>
+              <a:ext uri="{FF2B5EF4-FFF2-40B4-BE49-F238E27FC236}">
+                <a16:creationId xmlns:a16="http://schemas.microsoft.com/office/drawing/2014/main" id="{3AB0B1C1-9EEA-4541-A525-02D0FE4B7AD0}"/>
+              </a:ext>
+            </a:extLst>
+          </p:cNvPr>
+          <p:cNvSpPr/>
+          <p:nvPr/>
+        </p:nvSpPr>
+        <p:spPr>
+          <a:xfrm>
+            <a:off x="2718402" y="1481007"/>
+            <a:ext cx="1758597" cy="482538"/>
+          </a:xfrm>
+          <a:prstGeom prst="rect">
+            <a:avLst/>
+          </a:prstGeom>
+          <a:solidFill>
+            <a:srgbClr val="00B0F0"/>
+          </a:solidFill>
+        </p:spPr>
+        <p:style>
+          <a:lnRef idx="2">
+            <a:schemeClr val="accent1">
+              <a:shade val="50000"/>
+            </a:schemeClr>
+          </a:lnRef>
+          <a:fillRef idx="1">
+            <a:schemeClr val="accent1"/>
+          </a:fillRef>
+          <a:effectRef idx="0">
+            <a:schemeClr val="accent1"/>
+          </a:effectRef>
+          <a:fontRef idx="minor">
+            <a:schemeClr val="lt1"/>
+          </a:fontRef>
+        </p:style>
+        <p:txBody>
+          <a:bodyPr rtlCol="0" anchor="ctr"/>
+          <a:lstStyle/>
+          <a:p>
+            <a:pPr algn="ctr"/>
+            <a:r>
+              <a:rPr lang="en-US" altLang="ko-KR" dirty="0" err="1"/>
+              <a:t>Io_context</a:t>
+            </a:r>
+            <a:endParaRPr lang="en-US" altLang="ko-KR" dirty="0"/>
+          </a:p>
+          <a:p>
+            <a:pPr algn="ctr"/>
+            <a:r>
+              <a:rPr lang="en-US" altLang="ko-KR" dirty="0"/>
+              <a:t>Loop</a:t>
+            </a:r>
+          </a:p>
+        </p:txBody>
+      </p:sp>
+      <p:sp>
+        <p:nvSpPr>
+          <p:cNvPr id="38" name="직사각형 37">
+            <a:extLst>
+              <a:ext uri="{FF2B5EF4-FFF2-40B4-BE49-F238E27FC236}">
+                <a16:creationId xmlns:a16="http://schemas.microsoft.com/office/drawing/2014/main" id="{8252E5D5-B78E-48B5-9D06-044858C8D1FE}"/>
+              </a:ext>
+            </a:extLst>
+          </p:cNvPr>
+          <p:cNvSpPr/>
+          <p:nvPr/>
+        </p:nvSpPr>
+        <p:spPr>
+          <a:xfrm>
+            <a:off x="8955710" y="851171"/>
+            <a:ext cx="1758597" cy="482538"/>
+          </a:xfrm>
+          <a:prstGeom prst="rect">
+            <a:avLst/>
+          </a:prstGeom>
+          <a:solidFill>
+            <a:srgbClr val="00B0F0"/>
+          </a:solidFill>
+        </p:spPr>
+        <p:style>
+          <a:lnRef idx="2">
+            <a:schemeClr val="accent1">
+              <a:shade val="50000"/>
+            </a:schemeClr>
+          </a:lnRef>
+          <a:fillRef idx="1">
+            <a:schemeClr val="accent1"/>
+          </a:fillRef>
+          <a:effectRef idx="0">
+            <a:schemeClr val="accent1"/>
+          </a:effectRef>
+          <a:fontRef idx="minor">
+            <a:schemeClr val="lt1"/>
+          </a:fontRef>
+        </p:style>
+        <p:txBody>
+          <a:bodyPr rtlCol="0" anchor="ctr"/>
+          <a:lstStyle/>
+          <a:p>
+            <a:pPr algn="ctr"/>
+            <a:r>
+              <a:rPr lang="en-US" altLang="ko-KR" dirty="0"/>
+              <a:t>Logic Queue</a:t>
+            </a:r>
+          </a:p>
+          <a:p>
+            <a:pPr algn="ctr"/>
+            <a:r>
+              <a:rPr lang="en-US" altLang="ko-KR" dirty="0"/>
+              <a:t>Loop</a:t>
+            </a:r>
+          </a:p>
+        </p:txBody>
+      </p:sp>
+      <p:sp>
+        <p:nvSpPr>
+          <p:cNvPr id="39" name="직사각형 38">
+            <a:extLst>
+              <a:ext uri="{FF2B5EF4-FFF2-40B4-BE49-F238E27FC236}">
+                <a16:creationId xmlns:a16="http://schemas.microsoft.com/office/drawing/2014/main" id="{A70AB76E-5A2A-4EA3-9C77-319065DBE70D}"/>
+              </a:ext>
+            </a:extLst>
+          </p:cNvPr>
+          <p:cNvSpPr/>
+          <p:nvPr/>
+        </p:nvSpPr>
+        <p:spPr>
+          <a:xfrm>
+            <a:off x="9406794" y="5230967"/>
+            <a:ext cx="1758597" cy="602161"/>
+          </a:xfrm>
+          <a:prstGeom prst="rect">
+            <a:avLst/>
+          </a:prstGeom>
+        </p:spPr>
+        <p:style>
+          <a:lnRef idx="2">
+            <a:schemeClr val="accent1">
+              <a:shade val="50000"/>
+            </a:schemeClr>
+          </a:lnRef>
+          <a:fillRef idx="1">
+            <a:schemeClr val="accent1"/>
+          </a:fillRef>
+          <a:effectRef idx="0">
+            <a:schemeClr val="accent1"/>
+          </a:effectRef>
+          <a:fontRef idx="minor">
+            <a:schemeClr val="lt1"/>
+          </a:fontRef>
+        </p:style>
+        <p:txBody>
+          <a:bodyPr rtlCol="0" anchor="ctr"/>
+          <a:lstStyle/>
+          <a:p>
+            <a:pPr algn="ctr"/>
+            <a:r>
+              <a:rPr lang="en-US" altLang="ko-KR" dirty="0"/>
+              <a:t>DB</a:t>
+            </a:r>
+          </a:p>
+          <a:p>
+            <a:pPr algn="ctr"/>
+            <a:r>
+              <a:rPr lang="en-US" altLang="ko-KR" dirty="0"/>
+              <a:t>Thread Pool</a:t>
+            </a:r>
+          </a:p>
+        </p:txBody>
+      </p:sp>
+      <p:sp>
+        <p:nvSpPr>
+          <p:cNvPr id="40" name="직사각형 39">
+            <a:extLst>
+              <a:ext uri="{FF2B5EF4-FFF2-40B4-BE49-F238E27FC236}">
+                <a16:creationId xmlns:a16="http://schemas.microsoft.com/office/drawing/2014/main" id="{0B4CA9DE-B973-43D4-B57A-E4A629364F21}"/>
+              </a:ext>
+            </a:extLst>
+          </p:cNvPr>
+          <p:cNvSpPr/>
+          <p:nvPr/>
+        </p:nvSpPr>
+        <p:spPr>
+          <a:xfrm>
+            <a:off x="9406794" y="5833128"/>
+            <a:ext cx="1758597" cy="482538"/>
+          </a:xfrm>
+          <a:prstGeom prst="rect">
+            <a:avLst/>
+          </a:prstGeom>
+          <a:solidFill>
+            <a:srgbClr val="00B0F0"/>
+          </a:solidFill>
+        </p:spPr>
+        <p:style>
+          <a:lnRef idx="2">
+            <a:schemeClr val="accent1">
+              <a:shade val="50000"/>
+            </a:schemeClr>
+          </a:lnRef>
+          <a:fillRef idx="1">
+            <a:schemeClr val="accent1"/>
+          </a:fillRef>
+          <a:effectRef idx="0">
+            <a:schemeClr val="accent1"/>
+          </a:effectRef>
+          <a:fontRef idx="minor">
+            <a:schemeClr val="lt1"/>
+          </a:fontRef>
+        </p:style>
+        <p:txBody>
+          <a:bodyPr rtlCol="0" anchor="ctr"/>
+          <a:lstStyle/>
+          <a:p>
+            <a:pPr algn="ctr"/>
+            <a:r>
+              <a:rPr lang="en-US" altLang="ko-KR" dirty="0" err="1"/>
+              <a:t>DBTask</a:t>
+            </a:r>
+            <a:endParaRPr lang="en-US" altLang="ko-KR" dirty="0"/>
+          </a:p>
+          <a:p>
+            <a:pPr algn="ctr"/>
+            <a:r>
+              <a:rPr lang="en-US" altLang="ko-KR" dirty="0"/>
+              <a:t>Loop</a:t>
+            </a:r>
+          </a:p>
+        </p:txBody>
+      </p:sp>
+      <p:sp>
+        <p:nvSpPr>
+          <p:cNvPr id="41" name="직사각형 40">
+            <a:extLst>
+              <a:ext uri="{FF2B5EF4-FFF2-40B4-BE49-F238E27FC236}">
+                <a16:creationId xmlns:a16="http://schemas.microsoft.com/office/drawing/2014/main" id="{0C8817E5-6349-4224-8051-DF5952942125}"/>
+              </a:ext>
+            </a:extLst>
+          </p:cNvPr>
+          <p:cNvSpPr/>
+          <p:nvPr/>
+        </p:nvSpPr>
+        <p:spPr>
+          <a:xfrm>
+            <a:off x="1602508" y="3671558"/>
+            <a:ext cx="1953491" cy="602161"/>
+          </a:xfrm>
+          <a:prstGeom prst="rect">
+            <a:avLst/>
+          </a:prstGeom>
+        </p:spPr>
+        <p:style>
+          <a:lnRef idx="2">
+            <a:schemeClr val="accent1">
+              <a:shade val="50000"/>
+            </a:schemeClr>
+          </a:lnRef>
+          <a:fillRef idx="1">
+            <a:schemeClr val="accent1"/>
+          </a:fillRef>
+          <a:effectRef idx="0">
+            <a:schemeClr val="accent1"/>
+          </a:effectRef>
+          <a:fontRef idx="minor">
+            <a:schemeClr val="lt1"/>
+          </a:fontRef>
+        </p:style>
+        <p:txBody>
+          <a:bodyPr rtlCol="0" anchor="ctr"/>
+          <a:lstStyle/>
+          <a:p>
+            <a:pPr algn="ctr"/>
+            <a:r>
+              <a:rPr lang="ko-KR" altLang="en-US" dirty="0"/>
+              <a:t>서버 인스턴스</a:t>
+            </a:r>
+            <a:endParaRPr lang="en-US" altLang="ko-KR" dirty="0"/>
+          </a:p>
+          <a:p>
+            <a:pPr algn="ctr"/>
+            <a:r>
+              <a:rPr lang="ko-KR" altLang="en-US" dirty="0"/>
+              <a:t>생성</a:t>
+            </a:r>
+            <a:endParaRPr lang="en-US" altLang="ko-KR" dirty="0"/>
+          </a:p>
+        </p:txBody>
+      </p:sp>
+      <p:sp>
+        <p:nvSpPr>
+          <p:cNvPr id="42" name="직사각형 41">
+            <a:extLst>
+              <a:ext uri="{FF2B5EF4-FFF2-40B4-BE49-F238E27FC236}">
+                <a16:creationId xmlns:a16="http://schemas.microsoft.com/office/drawing/2014/main" id="{05192330-1B93-4E71-BC85-748F9AE648CF}"/>
+              </a:ext>
+            </a:extLst>
+          </p:cNvPr>
+          <p:cNvSpPr/>
+          <p:nvPr/>
+        </p:nvSpPr>
+        <p:spPr>
+          <a:xfrm>
+            <a:off x="1859048" y="2887938"/>
+            <a:ext cx="1440410" cy="602161"/>
+          </a:xfrm>
+          <a:prstGeom prst="rect">
+            <a:avLst/>
+          </a:prstGeom>
+        </p:spPr>
+        <p:style>
+          <a:lnRef idx="2">
+            <a:schemeClr val="accent1">
+              <a:shade val="50000"/>
+            </a:schemeClr>
+          </a:lnRef>
+          <a:fillRef idx="1">
+            <a:schemeClr val="accent1"/>
+          </a:fillRef>
+          <a:effectRef idx="0">
+            <a:schemeClr val="accent1"/>
+          </a:effectRef>
+          <a:fontRef idx="minor">
+            <a:schemeClr val="lt1"/>
+          </a:fontRef>
+        </p:style>
+        <p:txBody>
+          <a:bodyPr rtlCol="0" anchor="ctr"/>
+          <a:lstStyle/>
+          <a:p>
+            <a:pPr algn="ctr"/>
+            <a:r>
+              <a:rPr lang="en-US" altLang="ko-KR" dirty="0"/>
+              <a:t>Acceptor</a:t>
+            </a:r>
+          </a:p>
+        </p:txBody>
+      </p:sp>
+      <p:cxnSp>
+        <p:nvCxnSpPr>
+          <p:cNvPr id="16" name="직선 화살표 연결선 15">
+            <a:extLst>
+              <a:ext uri="{FF2B5EF4-FFF2-40B4-BE49-F238E27FC236}">
+                <a16:creationId xmlns:a16="http://schemas.microsoft.com/office/drawing/2014/main" id="{4AF1F558-BACA-4870-97B9-083C69BEE080}"/>
+              </a:ext>
+            </a:extLst>
+          </p:cNvPr>
+          <p:cNvCxnSpPr>
+            <a:cxnSpLocks/>
+            <a:stCxn id="41" idx="0"/>
+            <a:endCxn id="42" idx="2"/>
+          </p:cNvCxnSpPr>
+          <p:nvPr/>
+        </p:nvCxnSpPr>
+        <p:spPr>
+          <a:xfrm flipH="1" flipV="1">
+            <a:off x="2579253" y="3490099"/>
+            <a:ext cx="1" cy="181459"/>
           </a:xfrm>
           <a:prstGeom prst="straightConnector1">
             <a:avLst/>
@@ -6474,25 +6539,319 @@
       </p:cxnSp>
       <p:cxnSp>
         <p:nvCxnSpPr>
-          <p:cNvPr id="23" name="직선 화살표 연결선 22">
-            <a:extLst>
-              <a:ext uri="{FF2B5EF4-FFF2-40B4-BE49-F238E27FC236}">
-                <a16:creationId xmlns:a16="http://schemas.microsoft.com/office/drawing/2014/main" id="{E74014B5-0424-4FC8-A912-FBE0DBCC25E4}"/>
+          <p:cNvPr id="28" name="연결선: 꺾임 27">
+            <a:extLst>
+              <a:ext uri="{FF2B5EF4-FFF2-40B4-BE49-F238E27FC236}">
+                <a16:creationId xmlns:a16="http://schemas.microsoft.com/office/drawing/2014/main" id="{58A9C61D-9867-4710-B7FC-90E8ABDAB440}"/>
               </a:ext>
             </a:extLst>
           </p:cNvPr>
           <p:cNvCxnSpPr>
-            <a:stCxn id="12" idx="3"/>
-            <a:endCxn id="13" idx="1"/>
+            <a:cxnSpLocks/>
+            <a:stCxn id="42" idx="0"/>
+            <a:endCxn id="36" idx="1"/>
           </p:cNvCxnSpPr>
           <p:nvPr/>
         </p:nvCxnSpPr>
         <p:spPr>
+          <a:xfrm rot="5400000" flipH="1" flipV="1">
+            <a:off x="2065996" y="2235533"/>
+            <a:ext cx="1165662" cy="139149"/>
+          </a:xfrm>
+          <a:prstGeom prst="bentConnector2">
+            <a:avLst/>
+          </a:prstGeom>
+          <a:ln>
+            <a:tailEnd type="triangle"/>
+          </a:ln>
+        </p:spPr>
+        <p:style>
+          <a:lnRef idx="1">
+            <a:schemeClr val="accent1"/>
+          </a:lnRef>
+          <a:fillRef idx="0">
+            <a:schemeClr val="accent1"/>
+          </a:fillRef>
+          <a:effectRef idx="0">
+            <a:schemeClr val="accent1"/>
+          </a:effectRef>
+          <a:fontRef idx="minor">
+            <a:schemeClr val="tx1"/>
+          </a:fontRef>
+        </p:style>
+      </p:cxnSp>
+      <p:sp>
+        <p:nvSpPr>
+          <p:cNvPr id="51" name="직사각형 50">
+            <a:extLst>
+              <a:ext uri="{FF2B5EF4-FFF2-40B4-BE49-F238E27FC236}">
+                <a16:creationId xmlns:a16="http://schemas.microsoft.com/office/drawing/2014/main" id="{BE0CF33F-F257-473D-9F49-68F6313DAC9F}"/>
+              </a:ext>
+            </a:extLst>
+          </p:cNvPr>
+          <p:cNvSpPr/>
+          <p:nvPr/>
+        </p:nvSpPr>
+        <p:spPr>
+          <a:xfrm>
+            <a:off x="3524361" y="2887937"/>
+            <a:ext cx="1684948" cy="602161"/>
+          </a:xfrm>
+          <a:prstGeom prst="rect">
+            <a:avLst/>
+          </a:prstGeom>
+        </p:spPr>
+        <p:style>
+          <a:lnRef idx="2">
+            <a:schemeClr val="accent1">
+              <a:shade val="50000"/>
+            </a:schemeClr>
+          </a:lnRef>
+          <a:fillRef idx="1">
+            <a:schemeClr val="accent1"/>
+          </a:fillRef>
+          <a:effectRef idx="0">
+            <a:schemeClr val="accent1"/>
+          </a:effectRef>
+          <a:fontRef idx="minor">
+            <a:schemeClr val="lt1"/>
+          </a:fontRef>
+        </p:style>
+        <p:txBody>
+          <a:bodyPr rtlCol="0" anchor="ctr"/>
+          <a:lstStyle/>
+          <a:p>
+            <a:pPr algn="ctr"/>
+            <a:r>
+              <a:rPr lang="en-US" altLang="ko-KR"/>
+              <a:t>Session</a:t>
+            </a:r>
+          </a:p>
+          <a:p>
+            <a:pPr algn="ctr"/>
+            <a:r>
+              <a:rPr lang="ko-KR" altLang="en-US" dirty="0" err="1"/>
+              <a:t>인스턴스생성</a:t>
+            </a:r>
+            <a:endParaRPr lang="en-US" altLang="ko-KR" dirty="0"/>
+          </a:p>
+        </p:txBody>
+      </p:sp>
+      <p:cxnSp>
+        <p:nvCxnSpPr>
+          <p:cNvPr id="53" name="직선 화살표 연결선 52">
+            <a:extLst>
+              <a:ext uri="{FF2B5EF4-FFF2-40B4-BE49-F238E27FC236}">
+                <a16:creationId xmlns:a16="http://schemas.microsoft.com/office/drawing/2014/main" id="{3957F1C5-B8BF-42B1-8E58-2F252059595B}"/>
+              </a:ext>
+            </a:extLst>
+          </p:cNvPr>
+          <p:cNvCxnSpPr>
+            <a:cxnSpLocks/>
+            <a:stCxn id="42" idx="3"/>
+            <a:endCxn id="51" idx="1"/>
+          </p:cNvCxnSpPr>
+          <p:nvPr/>
+        </p:nvCxnSpPr>
+        <p:spPr>
           <a:xfrm flipV="1">
-            <a:off x="8797640" y="2072663"/>
-            <a:ext cx="411015" cy="1"/>
+            <a:off x="3299458" y="3189018"/>
+            <a:ext cx="224903" cy="1"/>
           </a:xfrm>
           <a:prstGeom prst="straightConnector1">
+            <a:avLst/>
+          </a:prstGeom>
+          <a:ln>
+            <a:tailEnd type="triangle"/>
+          </a:ln>
+        </p:spPr>
+        <p:style>
+          <a:lnRef idx="1">
+            <a:schemeClr val="accent1"/>
+          </a:lnRef>
+          <a:fillRef idx="0">
+            <a:schemeClr val="accent1"/>
+          </a:fillRef>
+          <a:effectRef idx="0">
+            <a:schemeClr val="accent1"/>
+          </a:effectRef>
+          <a:fontRef idx="minor">
+            <a:schemeClr val="tx1"/>
+          </a:fontRef>
+        </p:style>
+      </p:cxnSp>
+      <p:sp>
+        <p:nvSpPr>
+          <p:cNvPr id="55" name="직사각형 54">
+            <a:extLst>
+              <a:ext uri="{FF2B5EF4-FFF2-40B4-BE49-F238E27FC236}">
+                <a16:creationId xmlns:a16="http://schemas.microsoft.com/office/drawing/2014/main" id="{564295F1-2F3C-4DC7-93C8-75FBDFE2B232}"/>
+              </a:ext>
+            </a:extLst>
+          </p:cNvPr>
+          <p:cNvSpPr/>
+          <p:nvPr/>
+        </p:nvSpPr>
+        <p:spPr>
+          <a:xfrm>
+            <a:off x="368515" y="1419905"/>
+            <a:ext cx="1440410" cy="602161"/>
+          </a:xfrm>
+          <a:prstGeom prst="rect">
+            <a:avLst/>
+          </a:prstGeom>
+        </p:spPr>
+        <p:style>
+          <a:lnRef idx="2">
+            <a:schemeClr val="accent1">
+              <a:shade val="50000"/>
+            </a:schemeClr>
+          </a:lnRef>
+          <a:fillRef idx="1">
+            <a:schemeClr val="accent1"/>
+          </a:fillRef>
+          <a:effectRef idx="0">
+            <a:schemeClr val="accent1"/>
+          </a:effectRef>
+          <a:fontRef idx="minor">
+            <a:schemeClr val="lt1"/>
+          </a:fontRef>
+        </p:style>
+        <p:txBody>
+          <a:bodyPr rtlCol="0" anchor="ctr"/>
+          <a:lstStyle/>
+          <a:p>
+            <a:pPr algn="ctr"/>
+            <a:r>
+              <a:rPr lang="en-US" altLang="ko-KR" dirty="0"/>
+              <a:t>TLS</a:t>
+            </a:r>
+          </a:p>
+          <a:p>
+            <a:pPr algn="ctr"/>
+            <a:r>
+              <a:rPr lang="en-US" altLang="ko-KR" dirty="0"/>
+              <a:t>Stream</a:t>
+            </a:r>
+          </a:p>
+        </p:txBody>
+      </p:sp>
+      <p:cxnSp>
+        <p:nvCxnSpPr>
+          <p:cNvPr id="57" name="직선 화살표 연결선 56">
+            <a:extLst>
+              <a:ext uri="{FF2B5EF4-FFF2-40B4-BE49-F238E27FC236}">
+                <a16:creationId xmlns:a16="http://schemas.microsoft.com/office/drawing/2014/main" id="{DB762615-78ED-463C-8C51-98018F2AD9D6}"/>
+              </a:ext>
+            </a:extLst>
+          </p:cNvPr>
+          <p:cNvCxnSpPr>
+            <a:stCxn id="55" idx="3"/>
+            <a:endCxn id="36" idx="1"/>
+          </p:cNvCxnSpPr>
+          <p:nvPr/>
+        </p:nvCxnSpPr>
+        <p:spPr>
+          <a:xfrm>
+            <a:off x="1808925" y="1720986"/>
+            <a:ext cx="909477" cy="1290"/>
+          </a:xfrm>
+          <a:prstGeom prst="straightConnector1">
+            <a:avLst/>
+          </a:prstGeom>
+          <a:ln>
+            <a:headEnd type="triangle"/>
+            <a:tailEnd type="triangle"/>
+          </a:ln>
+        </p:spPr>
+        <p:style>
+          <a:lnRef idx="1">
+            <a:schemeClr val="accent1"/>
+          </a:lnRef>
+          <a:fillRef idx="0">
+            <a:schemeClr val="accent1"/>
+          </a:fillRef>
+          <a:effectRef idx="0">
+            <a:schemeClr val="accent1"/>
+          </a:effectRef>
+          <a:fontRef idx="minor">
+            <a:schemeClr val="tx1"/>
+          </a:fontRef>
+        </p:style>
+      </p:cxnSp>
+      <p:sp>
+        <p:nvSpPr>
+          <p:cNvPr id="58" name="직사각형 57">
+            <a:extLst>
+              <a:ext uri="{FF2B5EF4-FFF2-40B4-BE49-F238E27FC236}">
+                <a16:creationId xmlns:a16="http://schemas.microsoft.com/office/drawing/2014/main" id="{1A1BD8D3-8A73-4A2E-A36B-F40F88A42ADE}"/>
+              </a:ext>
+            </a:extLst>
+          </p:cNvPr>
+          <p:cNvSpPr/>
+          <p:nvPr/>
+        </p:nvSpPr>
+        <p:spPr>
+          <a:xfrm>
+            <a:off x="371036" y="2020776"/>
+            <a:ext cx="1437890" cy="299791"/>
+          </a:xfrm>
+          <a:prstGeom prst="rect">
+            <a:avLst/>
+          </a:prstGeom>
+          <a:solidFill>
+            <a:srgbClr val="00B0F0"/>
+          </a:solidFill>
+        </p:spPr>
+        <p:style>
+          <a:lnRef idx="2">
+            <a:schemeClr val="accent1">
+              <a:shade val="50000"/>
+            </a:schemeClr>
+          </a:lnRef>
+          <a:fillRef idx="1">
+            <a:schemeClr val="accent1"/>
+          </a:fillRef>
+          <a:effectRef idx="0">
+            <a:schemeClr val="accent1"/>
+          </a:effectRef>
+          <a:fontRef idx="minor">
+            <a:schemeClr val="lt1"/>
+          </a:fontRef>
+        </p:style>
+        <p:txBody>
+          <a:bodyPr rtlCol="0" anchor="ctr"/>
+          <a:lstStyle/>
+          <a:p>
+            <a:pPr algn="ctr"/>
+            <a:r>
+              <a:rPr lang="en-US" altLang="ko-KR" dirty="0"/>
+              <a:t>Socket</a:t>
+            </a:r>
+          </a:p>
+        </p:txBody>
+      </p:sp>
+      <p:cxnSp>
+        <p:nvCxnSpPr>
+          <p:cNvPr id="60" name="연결선: 꺾임 59">
+            <a:extLst>
+              <a:ext uri="{FF2B5EF4-FFF2-40B4-BE49-F238E27FC236}">
+                <a16:creationId xmlns:a16="http://schemas.microsoft.com/office/drawing/2014/main" id="{EE1C4BCC-AD9A-4743-80DA-AD1792C5355E}"/>
+              </a:ext>
+            </a:extLst>
+          </p:cNvPr>
+          <p:cNvCxnSpPr>
+            <a:stCxn id="58" idx="3"/>
+            <a:endCxn id="51" idx="0"/>
+          </p:cNvCxnSpPr>
+          <p:nvPr/>
+        </p:nvCxnSpPr>
+        <p:spPr>
+          <a:xfrm>
+            <a:off x="1808926" y="2170672"/>
+            <a:ext cx="2557909" cy="717265"/>
+          </a:xfrm>
+          <a:prstGeom prst="bentConnector2">
             <a:avLst/>
           </a:prstGeom>
           <a:ln>
@@ -6516,24 +6875,627 @@
       </p:cxnSp>
       <p:cxnSp>
         <p:nvCxnSpPr>
-          <p:cNvPr id="25" name="직선 화살표 연결선 24">
-            <a:extLst>
-              <a:ext uri="{FF2B5EF4-FFF2-40B4-BE49-F238E27FC236}">
-                <a16:creationId xmlns:a16="http://schemas.microsoft.com/office/drawing/2014/main" id="{2AFD2C08-C42E-4B60-B29E-E95B01D101FB}"/>
+          <p:cNvPr id="62" name="연결선: 꺾임 61">
+            <a:extLst>
+              <a:ext uri="{FF2B5EF4-FFF2-40B4-BE49-F238E27FC236}">
+                <a16:creationId xmlns:a16="http://schemas.microsoft.com/office/drawing/2014/main" id="{805EEBE5-DAF3-4271-AADF-F7B74090FB65}"/>
               </a:ext>
             </a:extLst>
           </p:cNvPr>
           <p:cNvCxnSpPr>
-            <a:endCxn id="15" idx="1"/>
+            <a:stCxn id="51" idx="3"/>
+            <a:endCxn id="36" idx="3"/>
           </p:cNvCxnSpPr>
           <p:nvPr/>
         </p:nvCxnSpPr>
         <p:spPr>
-          <a:xfrm>
-            <a:off x="0" y="3730078"/>
-            <a:ext cx="341743" cy="3"/>
+          <a:xfrm flipH="1" flipV="1">
+            <a:off x="4476999" y="1722276"/>
+            <a:ext cx="732310" cy="1466742"/>
+          </a:xfrm>
+          <a:prstGeom prst="bentConnector3">
+            <a:avLst>
+              <a:gd name="adj1" fmla="val -31216"/>
+            </a:avLst>
+          </a:prstGeom>
+          <a:ln>
+            <a:tailEnd type="triangle"/>
+          </a:ln>
+        </p:spPr>
+        <p:style>
+          <a:lnRef idx="1">
+            <a:schemeClr val="accent1"/>
+          </a:lnRef>
+          <a:fillRef idx="0">
+            <a:schemeClr val="accent1"/>
+          </a:fillRef>
+          <a:effectRef idx="0">
+            <a:schemeClr val="accent1"/>
+          </a:effectRef>
+          <a:fontRef idx="minor">
+            <a:schemeClr val="tx1"/>
+          </a:fontRef>
+        </p:style>
+      </p:cxnSp>
+      <p:sp>
+        <p:nvSpPr>
+          <p:cNvPr id="63" name="직사각형 62">
+            <a:extLst>
+              <a:ext uri="{FF2B5EF4-FFF2-40B4-BE49-F238E27FC236}">
+                <a16:creationId xmlns:a16="http://schemas.microsoft.com/office/drawing/2014/main" id="{6FEF08DF-E8DA-44FF-A7A9-7E2F4FB989E5}"/>
+              </a:ext>
+            </a:extLst>
+          </p:cNvPr>
+          <p:cNvSpPr/>
+          <p:nvPr/>
+        </p:nvSpPr>
+        <p:spPr>
+          <a:xfrm>
+            <a:off x="4714165" y="2154566"/>
+            <a:ext cx="1447782" cy="602161"/>
+          </a:xfrm>
+          <a:prstGeom prst="rect">
+            <a:avLst/>
+          </a:prstGeom>
+        </p:spPr>
+        <p:style>
+          <a:lnRef idx="2">
+            <a:schemeClr val="accent1">
+              <a:shade val="50000"/>
+            </a:schemeClr>
+          </a:lnRef>
+          <a:fillRef idx="1">
+            <a:schemeClr val="accent1"/>
+          </a:fillRef>
+          <a:effectRef idx="0">
+            <a:schemeClr val="accent1"/>
+          </a:effectRef>
+          <a:fontRef idx="minor">
+            <a:schemeClr val="lt1"/>
+          </a:fontRef>
+        </p:style>
+        <p:txBody>
+          <a:bodyPr rtlCol="0" anchor="ctr"/>
+          <a:lstStyle/>
+          <a:p>
+            <a:pPr algn="ctr"/>
+            <a:r>
+              <a:rPr lang="en-US" altLang="ko-KR" dirty="0"/>
+              <a:t>Async </a:t>
+            </a:r>
+          </a:p>
+          <a:p>
+            <a:pPr algn="ctr"/>
+            <a:r>
+              <a:rPr lang="en-US" altLang="ko-KR" dirty="0"/>
+              <a:t>Read/write</a:t>
+            </a:r>
+          </a:p>
+        </p:txBody>
+      </p:sp>
+      <p:sp>
+        <p:nvSpPr>
+          <p:cNvPr id="64" name="직사각형 63">
+            <a:extLst>
+              <a:ext uri="{FF2B5EF4-FFF2-40B4-BE49-F238E27FC236}">
+                <a16:creationId xmlns:a16="http://schemas.microsoft.com/office/drawing/2014/main" id="{57483C10-96FA-4875-A29B-BC6AA0D5E19A}"/>
+              </a:ext>
+            </a:extLst>
+          </p:cNvPr>
+          <p:cNvSpPr/>
+          <p:nvPr/>
+        </p:nvSpPr>
+        <p:spPr>
+          <a:xfrm>
+            <a:off x="3841305" y="3671557"/>
+            <a:ext cx="1758597" cy="602161"/>
+          </a:xfrm>
+          <a:prstGeom prst="rect">
+            <a:avLst/>
+          </a:prstGeom>
+        </p:spPr>
+        <p:style>
+          <a:lnRef idx="2">
+            <a:schemeClr val="accent1">
+              <a:shade val="50000"/>
+            </a:schemeClr>
+          </a:lnRef>
+          <a:fillRef idx="1">
+            <a:schemeClr val="accent1"/>
+          </a:fillRef>
+          <a:effectRef idx="0">
+            <a:schemeClr val="accent1"/>
+          </a:effectRef>
+          <a:fontRef idx="minor">
+            <a:schemeClr val="lt1"/>
+          </a:fontRef>
+        </p:style>
+        <p:txBody>
+          <a:bodyPr rtlCol="0" anchor="ctr"/>
+          <a:lstStyle/>
+          <a:p>
+            <a:pPr algn="ctr"/>
+            <a:r>
+              <a:rPr lang="en-US" altLang="ko-KR" dirty="0"/>
+              <a:t>Session</a:t>
+            </a:r>
+          </a:p>
+          <a:p>
+            <a:pPr algn="ctr"/>
+            <a:r>
+              <a:rPr lang="en-US" altLang="ko-KR" dirty="0"/>
+              <a:t>Manager</a:t>
+            </a:r>
+          </a:p>
+        </p:txBody>
+      </p:sp>
+      <p:sp>
+        <p:nvSpPr>
+          <p:cNvPr id="68" name="직사각형 67">
+            <a:extLst>
+              <a:ext uri="{FF2B5EF4-FFF2-40B4-BE49-F238E27FC236}">
+                <a16:creationId xmlns:a16="http://schemas.microsoft.com/office/drawing/2014/main" id="{5C8DDE3A-1284-48FD-859A-20F7C6E2422D}"/>
+              </a:ext>
+            </a:extLst>
+          </p:cNvPr>
+          <p:cNvSpPr/>
+          <p:nvPr/>
+        </p:nvSpPr>
+        <p:spPr>
+          <a:xfrm>
+            <a:off x="3841304" y="4281475"/>
+            <a:ext cx="1758597" cy="299791"/>
+          </a:xfrm>
+          <a:prstGeom prst="rect">
+            <a:avLst/>
+          </a:prstGeom>
+          <a:solidFill>
+            <a:srgbClr val="00B0F0"/>
+          </a:solidFill>
+        </p:spPr>
+        <p:style>
+          <a:lnRef idx="2">
+            <a:schemeClr val="accent1">
+              <a:shade val="50000"/>
+            </a:schemeClr>
+          </a:lnRef>
+          <a:fillRef idx="1">
+            <a:schemeClr val="accent1"/>
+          </a:fillRef>
+          <a:effectRef idx="0">
+            <a:schemeClr val="accent1"/>
+          </a:effectRef>
+          <a:fontRef idx="minor">
+            <a:schemeClr val="lt1"/>
+          </a:fontRef>
+        </p:style>
+        <p:txBody>
+          <a:bodyPr rtlCol="0" anchor="ctr"/>
+          <a:lstStyle/>
+          <a:p>
+            <a:pPr algn="ctr"/>
+            <a:r>
+              <a:rPr lang="en-US" altLang="ko-KR" dirty="0"/>
+              <a:t>Sessions…</a:t>
+            </a:r>
+          </a:p>
+        </p:txBody>
+      </p:sp>
+      <p:cxnSp>
+        <p:nvCxnSpPr>
+          <p:cNvPr id="70" name="연결선: 꺾임 69">
+            <a:extLst>
+              <a:ext uri="{FF2B5EF4-FFF2-40B4-BE49-F238E27FC236}">
+                <a16:creationId xmlns:a16="http://schemas.microsoft.com/office/drawing/2014/main" id="{A1C3C97D-3E20-432D-A3EF-8CDECD3A778B}"/>
+              </a:ext>
+            </a:extLst>
+          </p:cNvPr>
+          <p:cNvCxnSpPr>
+            <a:cxnSpLocks/>
+            <a:endCxn id="68" idx="3"/>
+          </p:cNvCxnSpPr>
+          <p:nvPr/>
+        </p:nvCxnSpPr>
+        <p:spPr>
+          <a:xfrm rot="16200000" flipH="1">
+            <a:off x="4848012" y="3679482"/>
+            <a:ext cx="1113186" cy="390591"/>
+          </a:xfrm>
+          <a:prstGeom prst="bentConnector4">
+            <a:avLst>
+              <a:gd name="adj1" fmla="val 951"/>
+              <a:gd name="adj2" fmla="val 158527"/>
+            </a:avLst>
+          </a:prstGeom>
+          <a:ln>
+            <a:tailEnd type="triangle"/>
+          </a:ln>
+        </p:spPr>
+        <p:style>
+          <a:lnRef idx="1">
+            <a:schemeClr val="accent1"/>
+          </a:lnRef>
+          <a:fillRef idx="0">
+            <a:schemeClr val="accent1"/>
+          </a:fillRef>
+          <a:effectRef idx="0">
+            <a:schemeClr val="accent1"/>
+          </a:effectRef>
+          <a:fontRef idx="minor">
+            <a:schemeClr val="tx1"/>
+          </a:fontRef>
+        </p:style>
+      </p:cxnSp>
+      <p:sp>
+        <p:nvSpPr>
+          <p:cNvPr id="73" name="직사각형 72">
+            <a:extLst>
+              <a:ext uri="{FF2B5EF4-FFF2-40B4-BE49-F238E27FC236}">
+                <a16:creationId xmlns:a16="http://schemas.microsoft.com/office/drawing/2014/main" id="{E70CA891-7F10-47D5-AFB9-FE1D861CBA87}"/>
+              </a:ext>
+            </a:extLst>
+          </p:cNvPr>
+          <p:cNvSpPr/>
+          <p:nvPr/>
+        </p:nvSpPr>
+        <p:spPr>
+          <a:xfrm>
+            <a:off x="5504924" y="1448942"/>
+            <a:ext cx="933872" cy="283264"/>
+          </a:xfrm>
+          <a:prstGeom prst="rect">
+            <a:avLst/>
+          </a:prstGeom>
+        </p:spPr>
+        <p:style>
+          <a:lnRef idx="2">
+            <a:schemeClr val="accent1">
+              <a:shade val="50000"/>
+            </a:schemeClr>
+          </a:lnRef>
+          <a:fillRef idx="1">
+            <a:schemeClr val="accent1"/>
+          </a:fillRef>
+          <a:effectRef idx="0">
+            <a:schemeClr val="accent1"/>
+          </a:effectRef>
+          <a:fontRef idx="minor">
+            <a:schemeClr val="lt1"/>
+          </a:fontRef>
+        </p:style>
+        <p:txBody>
+          <a:bodyPr rtlCol="0" anchor="ctr"/>
+          <a:lstStyle/>
+          <a:p>
+            <a:pPr algn="ctr"/>
+            <a:r>
+              <a:rPr lang="en-US" altLang="ko-KR" dirty="0"/>
+              <a:t>Read</a:t>
+            </a:r>
+          </a:p>
+        </p:txBody>
+      </p:sp>
+      <p:cxnSp>
+        <p:nvCxnSpPr>
+          <p:cNvPr id="77" name="직선 화살표 연결선 76">
+            <a:extLst>
+              <a:ext uri="{FF2B5EF4-FFF2-40B4-BE49-F238E27FC236}">
+                <a16:creationId xmlns:a16="http://schemas.microsoft.com/office/drawing/2014/main" id="{CF0477B2-A4DD-4314-92F5-2248FD51BEDC}"/>
+              </a:ext>
+            </a:extLst>
+          </p:cNvPr>
+          <p:cNvCxnSpPr>
+            <a:cxnSpLocks/>
+            <a:endCxn id="73" idx="1"/>
+          </p:cNvCxnSpPr>
+          <p:nvPr/>
+        </p:nvCxnSpPr>
+        <p:spPr>
+          <a:xfrm>
+            <a:off x="4476999" y="1590574"/>
+            <a:ext cx="1027925" cy="0"/>
           </a:xfrm>
           <a:prstGeom prst="straightConnector1">
+            <a:avLst/>
+          </a:prstGeom>
+          <a:ln>
+            <a:tailEnd type="triangle"/>
+          </a:ln>
+        </p:spPr>
+        <p:style>
+          <a:lnRef idx="1">
+            <a:schemeClr val="accent1"/>
+          </a:lnRef>
+          <a:fillRef idx="0">
+            <a:schemeClr val="accent1"/>
+          </a:fillRef>
+          <a:effectRef idx="0">
+            <a:schemeClr val="accent1"/>
+          </a:effectRef>
+          <a:fontRef idx="minor">
+            <a:schemeClr val="tx1"/>
+          </a:fontRef>
+        </p:style>
+      </p:cxnSp>
+      <p:sp>
+        <p:nvSpPr>
+          <p:cNvPr id="83" name="직사각형 82">
+            <a:extLst>
+              <a:ext uri="{FF2B5EF4-FFF2-40B4-BE49-F238E27FC236}">
+                <a16:creationId xmlns:a16="http://schemas.microsoft.com/office/drawing/2014/main" id="{3253496E-56BE-482C-A290-932B01467E1A}"/>
+              </a:ext>
+            </a:extLst>
+          </p:cNvPr>
+          <p:cNvSpPr/>
+          <p:nvPr/>
+        </p:nvSpPr>
+        <p:spPr>
+          <a:xfrm>
+            <a:off x="6967906" y="1448942"/>
+            <a:ext cx="933872" cy="283264"/>
+          </a:xfrm>
+          <a:prstGeom prst="rect">
+            <a:avLst/>
+          </a:prstGeom>
+        </p:spPr>
+        <p:style>
+          <a:lnRef idx="2">
+            <a:schemeClr val="accent1">
+              <a:shade val="50000"/>
+            </a:schemeClr>
+          </a:lnRef>
+          <a:fillRef idx="1">
+            <a:schemeClr val="accent1"/>
+          </a:fillRef>
+          <a:effectRef idx="0">
+            <a:schemeClr val="accent1"/>
+          </a:effectRef>
+          <a:fontRef idx="minor">
+            <a:schemeClr val="lt1"/>
+          </a:fontRef>
+        </p:style>
+        <p:txBody>
+          <a:bodyPr rtlCol="0" anchor="ctr"/>
+          <a:lstStyle/>
+          <a:p>
+            <a:pPr algn="ctr"/>
+            <a:r>
+              <a:rPr lang="en-US" altLang="ko-KR" dirty="0" err="1"/>
+              <a:t>isValid</a:t>
+            </a:r>
+            <a:r>
+              <a:rPr lang="en-US" altLang="ko-KR" dirty="0"/>
+              <a:t>?</a:t>
+            </a:r>
+          </a:p>
+        </p:txBody>
+      </p:sp>
+      <p:cxnSp>
+        <p:nvCxnSpPr>
+          <p:cNvPr id="85" name="직선 화살표 연결선 84">
+            <a:extLst>
+              <a:ext uri="{FF2B5EF4-FFF2-40B4-BE49-F238E27FC236}">
+                <a16:creationId xmlns:a16="http://schemas.microsoft.com/office/drawing/2014/main" id="{02117024-1D5D-4F9B-9C64-B94C65FA39B9}"/>
+              </a:ext>
+            </a:extLst>
+          </p:cNvPr>
+          <p:cNvCxnSpPr>
+            <a:stCxn id="73" idx="3"/>
+            <a:endCxn id="83" idx="1"/>
+          </p:cNvCxnSpPr>
+          <p:nvPr/>
+        </p:nvCxnSpPr>
+        <p:spPr>
+          <a:xfrm>
+            <a:off x="6438796" y="1590574"/>
+            <a:ext cx="529110" cy="0"/>
+          </a:xfrm>
+          <a:prstGeom prst="straightConnector1">
+            <a:avLst/>
+          </a:prstGeom>
+          <a:ln>
+            <a:tailEnd type="triangle"/>
+          </a:ln>
+        </p:spPr>
+        <p:style>
+          <a:lnRef idx="1">
+            <a:schemeClr val="accent1"/>
+          </a:lnRef>
+          <a:fillRef idx="0">
+            <a:schemeClr val="accent1"/>
+          </a:fillRef>
+          <a:effectRef idx="0">
+            <a:schemeClr val="accent1"/>
+          </a:effectRef>
+          <a:fontRef idx="minor">
+            <a:schemeClr val="tx1"/>
+          </a:fontRef>
+        </p:style>
+      </p:cxnSp>
+      <p:sp>
+        <p:nvSpPr>
+          <p:cNvPr id="86" name="직사각형 85">
+            <a:extLst>
+              <a:ext uri="{FF2B5EF4-FFF2-40B4-BE49-F238E27FC236}">
+                <a16:creationId xmlns:a16="http://schemas.microsoft.com/office/drawing/2014/main" id="{A19679C0-42ED-4C2D-9A1B-CF90D4BF355D}"/>
+              </a:ext>
+            </a:extLst>
+          </p:cNvPr>
+          <p:cNvSpPr/>
+          <p:nvPr/>
+        </p:nvSpPr>
+        <p:spPr>
+          <a:xfrm>
+            <a:off x="6967906" y="737213"/>
+            <a:ext cx="933872" cy="283264"/>
+          </a:xfrm>
+          <a:prstGeom prst="rect">
+            <a:avLst/>
+          </a:prstGeom>
+        </p:spPr>
+        <p:style>
+          <a:lnRef idx="2">
+            <a:schemeClr val="accent1">
+              <a:shade val="50000"/>
+            </a:schemeClr>
+          </a:lnRef>
+          <a:fillRef idx="1">
+            <a:schemeClr val="accent1"/>
+          </a:fillRef>
+          <a:effectRef idx="0">
+            <a:schemeClr val="accent1"/>
+          </a:effectRef>
+          <a:fontRef idx="minor">
+            <a:schemeClr val="lt1"/>
+          </a:fontRef>
+        </p:style>
+        <p:txBody>
+          <a:bodyPr rtlCol="0" anchor="ctr"/>
+          <a:lstStyle/>
+          <a:p>
+            <a:pPr algn="ctr"/>
+            <a:r>
+              <a:rPr lang="en-US" altLang="ko-KR" dirty="0"/>
+              <a:t>kill</a:t>
+            </a:r>
+          </a:p>
+        </p:txBody>
+      </p:sp>
+      <p:cxnSp>
+        <p:nvCxnSpPr>
+          <p:cNvPr id="88" name="직선 화살표 연결선 87">
+            <a:extLst>
+              <a:ext uri="{FF2B5EF4-FFF2-40B4-BE49-F238E27FC236}">
+                <a16:creationId xmlns:a16="http://schemas.microsoft.com/office/drawing/2014/main" id="{DF271722-3DDC-449F-B11D-C155840500A2}"/>
+              </a:ext>
+            </a:extLst>
+          </p:cNvPr>
+          <p:cNvCxnSpPr>
+            <a:stCxn id="83" idx="0"/>
+            <a:endCxn id="86" idx="2"/>
+          </p:cNvCxnSpPr>
+          <p:nvPr/>
+        </p:nvCxnSpPr>
+        <p:spPr>
+          <a:xfrm flipV="1">
+            <a:off x="7434842" y="1020477"/>
+            <a:ext cx="0" cy="428465"/>
+          </a:xfrm>
+          <a:prstGeom prst="straightConnector1">
+            <a:avLst/>
+          </a:prstGeom>
+          <a:ln>
+            <a:tailEnd type="triangle"/>
+          </a:ln>
+        </p:spPr>
+        <p:style>
+          <a:lnRef idx="1">
+            <a:schemeClr val="accent1"/>
+          </a:lnRef>
+          <a:fillRef idx="0">
+            <a:schemeClr val="accent1"/>
+          </a:fillRef>
+          <a:effectRef idx="0">
+            <a:schemeClr val="accent1"/>
+          </a:effectRef>
+          <a:fontRef idx="minor">
+            <a:schemeClr val="tx1"/>
+          </a:fontRef>
+        </p:style>
+      </p:cxnSp>
+      <p:sp>
+        <p:nvSpPr>
+          <p:cNvPr id="89" name="TextBox 88">
+            <a:extLst>
+              <a:ext uri="{FF2B5EF4-FFF2-40B4-BE49-F238E27FC236}">
+                <a16:creationId xmlns:a16="http://schemas.microsoft.com/office/drawing/2014/main" id="{7CBC700B-E4A5-4267-BBC3-784763E01790}"/>
+              </a:ext>
+            </a:extLst>
+          </p:cNvPr>
+          <p:cNvSpPr txBox="1"/>
+          <p:nvPr/>
+        </p:nvSpPr>
+        <p:spPr>
+          <a:xfrm>
+            <a:off x="6822649" y="1036576"/>
+            <a:ext cx="818349" cy="369332"/>
+          </a:xfrm>
+          <a:prstGeom prst="rect">
+            <a:avLst/>
+          </a:prstGeom>
+          <a:noFill/>
+        </p:spPr>
+        <p:txBody>
+          <a:bodyPr wrap="square" rtlCol="0">
+            <a:spAutoFit/>
+          </a:bodyPr>
+          <a:lstStyle/>
+          <a:p>
+            <a:r>
+              <a:rPr lang="en-US" altLang="ko-KR" dirty="0"/>
+              <a:t>False</a:t>
+            </a:r>
+            <a:endParaRPr lang="ko-KR" altLang="en-US" dirty="0"/>
+          </a:p>
+        </p:txBody>
+      </p:sp>
+      <p:sp>
+        <p:nvSpPr>
+          <p:cNvPr id="90" name="TextBox 89">
+            <a:extLst>
+              <a:ext uri="{FF2B5EF4-FFF2-40B4-BE49-F238E27FC236}">
+                <a16:creationId xmlns:a16="http://schemas.microsoft.com/office/drawing/2014/main" id="{E2AA5033-7D12-4546-A2EB-CA041D58AD08}"/>
+              </a:ext>
+            </a:extLst>
+          </p:cNvPr>
+          <p:cNvSpPr txBox="1"/>
+          <p:nvPr/>
+        </p:nvSpPr>
+        <p:spPr>
+          <a:xfrm>
+            <a:off x="7853449" y="1547540"/>
+            <a:ext cx="818349" cy="369332"/>
+          </a:xfrm>
+          <a:prstGeom prst="rect">
+            <a:avLst/>
+          </a:prstGeom>
+          <a:noFill/>
+        </p:spPr>
+        <p:txBody>
+          <a:bodyPr wrap="square" rtlCol="0">
+            <a:spAutoFit/>
+          </a:bodyPr>
+          <a:lstStyle/>
+          <a:p>
+            <a:r>
+              <a:rPr lang="en-US" altLang="ko-KR" dirty="0"/>
+              <a:t>True</a:t>
+            </a:r>
+            <a:endParaRPr lang="ko-KR" altLang="en-US" dirty="0"/>
+          </a:p>
+        </p:txBody>
+      </p:sp>
+      <p:cxnSp>
+        <p:nvCxnSpPr>
+          <p:cNvPr id="92" name="연결선: 꺾임 91">
+            <a:extLst>
+              <a:ext uri="{FF2B5EF4-FFF2-40B4-BE49-F238E27FC236}">
+                <a16:creationId xmlns:a16="http://schemas.microsoft.com/office/drawing/2014/main" id="{F2D8808A-2756-40E1-A12E-8E2A49542A13}"/>
+              </a:ext>
+            </a:extLst>
+          </p:cNvPr>
+          <p:cNvCxnSpPr>
+            <a:stCxn id="83" idx="3"/>
+            <a:endCxn id="38" idx="1"/>
+          </p:cNvCxnSpPr>
+          <p:nvPr/>
+        </p:nvCxnSpPr>
+        <p:spPr>
+          <a:xfrm flipV="1">
+            <a:off x="7901778" y="1092440"/>
+            <a:ext cx="1053932" cy="498134"/>
+          </a:xfrm>
+          <a:prstGeom prst="bentConnector3">
             <a:avLst/>
           </a:prstGeom>
           <a:ln>
@@ -6557,24 +7519,763 @@
       </p:cxnSp>
       <p:cxnSp>
         <p:nvCxnSpPr>
-          <p:cNvPr id="27" name="직선 화살표 연결선 26">
-            <a:extLst>
-              <a:ext uri="{FF2B5EF4-FFF2-40B4-BE49-F238E27FC236}">
-                <a16:creationId xmlns:a16="http://schemas.microsoft.com/office/drawing/2014/main" id="{C5243DB4-E972-4047-82EC-557780EFB1C2}"/>
+          <p:cNvPr id="96" name="연결선: 꺾임 95">
+            <a:extLst>
+              <a:ext uri="{FF2B5EF4-FFF2-40B4-BE49-F238E27FC236}">
+                <a16:creationId xmlns:a16="http://schemas.microsoft.com/office/drawing/2014/main" id="{34E4FDD7-D44E-4491-89B4-1CAD4A62B198}"/>
               </a:ext>
             </a:extLst>
           </p:cNvPr>
           <p:cNvCxnSpPr>
-            <a:stCxn id="13" idx="3"/>
+            <a:endCxn id="11" idx="0"/>
           </p:cNvCxnSpPr>
           <p:nvPr/>
         </p:nvCxnSpPr>
         <p:spPr>
-          <a:xfrm flipV="1">
-            <a:off x="11693239" y="2072662"/>
-            <a:ext cx="498761" cy="1"/>
+          <a:xfrm rot="10800000" flipV="1">
+            <a:off x="3597702" y="332509"/>
+            <a:ext cx="5358009" cy="546336"/>
+          </a:xfrm>
+          <a:prstGeom prst="bentConnector2">
+            <a:avLst/>
+          </a:prstGeom>
+          <a:ln>
+            <a:tailEnd type="triangle"/>
+          </a:ln>
+        </p:spPr>
+        <p:style>
+          <a:lnRef idx="1">
+            <a:schemeClr val="accent1"/>
+          </a:lnRef>
+          <a:fillRef idx="0">
+            <a:schemeClr val="accent1"/>
+          </a:fillRef>
+          <a:effectRef idx="0">
+            <a:schemeClr val="accent1"/>
+          </a:effectRef>
+          <a:fontRef idx="minor">
+            <a:schemeClr val="tx1"/>
+          </a:fontRef>
+        </p:style>
+      </p:cxnSp>
+      <p:sp>
+        <p:nvSpPr>
+          <p:cNvPr id="97" name="직사각형 96">
+            <a:extLst>
+              <a:ext uri="{FF2B5EF4-FFF2-40B4-BE49-F238E27FC236}">
+                <a16:creationId xmlns:a16="http://schemas.microsoft.com/office/drawing/2014/main" id="{B297B6A9-7D92-453D-8BE0-FCC14A63057A}"/>
+              </a:ext>
+            </a:extLst>
+          </p:cNvPr>
+          <p:cNvSpPr/>
+          <p:nvPr/>
+        </p:nvSpPr>
+        <p:spPr>
+          <a:xfrm>
+            <a:off x="5695011" y="190876"/>
+            <a:ext cx="1272895" cy="283264"/>
+          </a:xfrm>
+          <a:prstGeom prst="rect">
+            <a:avLst/>
+          </a:prstGeom>
+        </p:spPr>
+        <p:style>
+          <a:lnRef idx="2">
+            <a:schemeClr val="accent1">
+              <a:shade val="50000"/>
+            </a:schemeClr>
+          </a:lnRef>
+          <a:fillRef idx="1">
+            <a:schemeClr val="accent1"/>
+          </a:fillRef>
+          <a:effectRef idx="0">
+            <a:schemeClr val="accent1"/>
+          </a:effectRef>
+          <a:fontRef idx="minor">
+            <a:schemeClr val="lt1"/>
+          </a:fontRef>
+        </p:style>
+        <p:txBody>
+          <a:bodyPr rtlCol="0" anchor="ctr"/>
+          <a:lstStyle/>
+          <a:p>
+            <a:pPr algn="ctr"/>
+            <a:r>
+              <a:rPr lang="en-US" altLang="ko-KR" dirty="0" err="1"/>
+              <a:t>SendMsg</a:t>
+            </a:r>
+            <a:endParaRPr lang="en-US" altLang="ko-KR" dirty="0"/>
+          </a:p>
+        </p:txBody>
+      </p:sp>
+      <p:sp>
+        <p:nvSpPr>
+          <p:cNvPr id="98" name="직사각형 97">
+            <a:extLst>
+              <a:ext uri="{FF2B5EF4-FFF2-40B4-BE49-F238E27FC236}">
+                <a16:creationId xmlns:a16="http://schemas.microsoft.com/office/drawing/2014/main" id="{F3F053B2-AB04-4CCE-B979-594B54C60939}"/>
+              </a:ext>
+            </a:extLst>
+          </p:cNvPr>
+          <p:cNvSpPr/>
+          <p:nvPr/>
+        </p:nvSpPr>
+        <p:spPr>
+          <a:xfrm>
+            <a:off x="1375932" y="228363"/>
+            <a:ext cx="1272895" cy="283264"/>
+          </a:xfrm>
+          <a:prstGeom prst="rect">
+            <a:avLst/>
+          </a:prstGeom>
+        </p:spPr>
+        <p:style>
+          <a:lnRef idx="2">
+            <a:schemeClr val="accent1">
+              <a:shade val="50000"/>
+            </a:schemeClr>
+          </a:lnRef>
+          <a:fillRef idx="1">
+            <a:schemeClr val="accent1"/>
+          </a:fillRef>
+          <a:effectRef idx="0">
+            <a:schemeClr val="accent1"/>
+          </a:effectRef>
+          <a:fontRef idx="minor">
+            <a:schemeClr val="lt1"/>
+          </a:fontRef>
+        </p:style>
+        <p:txBody>
+          <a:bodyPr rtlCol="0" anchor="ctr"/>
+          <a:lstStyle/>
+          <a:p>
+            <a:pPr algn="ctr"/>
+            <a:r>
+              <a:rPr lang="en-US" altLang="ko-KR" dirty="0"/>
+              <a:t>Send</a:t>
+            </a:r>
+          </a:p>
+        </p:txBody>
+      </p:sp>
+      <p:cxnSp>
+        <p:nvCxnSpPr>
+          <p:cNvPr id="100" name="연결선: 꺾임 99">
+            <a:extLst>
+              <a:ext uri="{FF2B5EF4-FFF2-40B4-BE49-F238E27FC236}">
+                <a16:creationId xmlns:a16="http://schemas.microsoft.com/office/drawing/2014/main" id="{3B33FB3C-B901-492B-B56C-181DC1E4D5D0}"/>
+              </a:ext>
+            </a:extLst>
+          </p:cNvPr>
+          <p:cNvCxnSpPr>
+            <a:endCxn id="98" idx="3"/>
+          </p:cNvCxnSpPr>
+          <p:nvPr/>
+        </p:nvCxnSpPr>
+        <p:spPr>
+          <a:xfrm rot="16200000" flipV="1">
+            <a:off x="2613929" y="404893"/>
+            <a:ext cx="508850" cy="439053"/>
+          </a:xfrm>
+          <a:prstGeom prst="bentConnector2">
+            <a:avLst/>
+          </a:prstGeom>
+          <a:ln>
+            <a:tailEnd type="triangle"/>
+          </a:ln>
+        </p:spPr>
+        <p:style>
+          <a:lnRef idx="1">
+            <a:schemeClr val="accent1"/>
+          </a:lnRef>
+          <a:fillRef idx="0">
+            <a:schemeClr val="accent1"/>
+          </a:fillRef>
+          <a:effectRef idx="0">
+            <a:schemeClr val="accent1"/>
+          </a:effectRef>
+          <a:fontRef idx="minor">
+            <a:schemeClr val="tx1"/>
+          </a:fontRef>
+        </p:style>
+      </p:cxnSp>
+      <p:sp>
+        <p:nvSpPr>
+          <p:cNvPr id="101" name="직사각형 100">
+            <a:extLst>
+              <a:ext uri="{FF2B5EF4-FFF2-40B4-BE49-F238E27FC236}">
+                <a16:creationId xmlns:a16="http://schemas.microsoft.com/office/drawing/2014/main" id="{79CD4D33-C27C-4255-9750-94A4B9F384EB}"/>
+              </a:ext>
+            </a:extLst>
+          </p:cNvPr>
+          <p:cNvSpPr/>
+          <p:nvPr/>
+        </p:nvSpPr>
+        <p:spPr>
+          <a:xfrm>
+            <a:off x="8936348" y="2186494"/>
+            <a:ext cx="1797319" cy="369333"/>
+          </a:xfrm>
+          <a:prstGeom prst="rect">
+            <a:avLst/>
+          </a:prstGeom>
+        </p:spPr>
+        <p:style>
+          <a:lnRef idx="2">
+            <a:schemeClr val="accent1">
+              <a:shade val="50000"/>
+            </a:schemeClr>
+          </a:lnRef>
+          <a:fillRef idx="1">
+            <a:schemeClr val="accent1"/>
+          </a:fillRef>
+          <a:effectRef idx="0">
+            <a:schemeClr val="accent1"/>
+          </a:effectRef>
+          <a:fontRef idx="minor">
+            <a:schemeClr val="lt1"/>
+          </a:fontRef>
+        </p:style>
+        <p:txBody>
+          <a:bodyPr rtlCol="0" anchor="ctr"/>
+          <a:lstStyle/>
+          <a:p>
+            <a:pPr algn="ctr"/>
+            <a:r>
+              <a:rPr lang="en-US" altLang="ko-KR" dirty="0" err="1"/>
+              <a:t>isDbTask</a:t>
+            </a:r>
+            <a:r>
+              <a:rPr lang="en-US" altLang="ko-KR" dirty="0"/>
+              <a:t>?</a:t>
+            </a:r>
+          </a:p>
+        </p:txBody>
+      </p:sp>
+      <p:cxnSp>
+        <p:nvCxnSpPr>
+          <p:cNvPr id="103" name="연결선: 꺾임 102">
+            <a:extLst>
+              <a:ext uri="{FF2B5EF4-FFF2-40B4-BE49-F238E27FC236}">
+                <a16:creationId xmlns:a16="http://schemas.microsoft.com/office/drawing/2014/main" id="{569225E7-6FF3-4A8F-AC00-21622173C3A6}"/>
+              </a:ext>
+            </a:extLst>
+          </p:cNvPr>
+          <p:cNvCxnSpPr>
+            <a:stCxn id="38" idx="2"/>
+            <a:endCxn id="101" idx="0"/>
+          </p:cNvCxnSpPr>
+          <p:nvPr/>
+        </p:nvCxnSpPr>
+        <p:spPr>
+          <a:xfrm rot="5400000">
+            <a:off x="9408617" y="1760101"/>
+            <a:ext cx="852785" cy="1"/>
+          </a:xfrm>
+          <a:prstGeom prst="bentConnector3">
+            <a:avLst/>
+          </a:prstGeom>
+          <a:ln>
+            <a:tailEnd type="triangle"/>
+          </a:ln>
+        </p:spPr>
+        <p:style>
+          <a:lnRef idx="1">
+            <a:schemeClr val="accent1"/>
+          </a:lnRef>
+          <a:fillRef idx="0">
+            <a:schemeClr val="accent1"/>
+          </a:fillRef>
+          <a:effectRef idx="0">
+            <a:schemeClr val="accent1"/>
+          </a:effectRef>
+          <a:fontRef idx="minor">
+            <a:schemeClr val="tx1"/>
+          </a:fontRef>
+        </p:style>
+      </p:cxnSp>
+      <p:sp>
+        <p:nvSpPr>
+          <p:cNvPr id="105" name="TextBox 104">
+            <a:extLst>
+              <a:ext uri="{FF2B5EF4-FFF2-40B4-BE49-F238E27FC236}">
+                <a16:creationId xmlns:a16="http://schemas.microsoft.com/office/drawing/2014/main" id="{9893EC90-0B0C-41C7-B766-BEEFCC1EB805}"/>
+              </a:ext>
+            </a:extLst>
+          </p:cNvPr>
+          <p:cNvSpPr txBox="1"/>
+          <p:nvPr/>
+        </p:nvSpPr>
+        <p:spPr>
+          <a:xfrm>
+            <a:off x="9768919" y="2528720"/>
+            <a:ext cx="818349" cy="369332"/>
+          </a:xfrm>
+          <a:prstGeom prst="rect">
+            <a:avLst/>
+          </a:prstGeom>
+          <a:noFill/>
+        </p:spPr>
+        <p:txBody>
+          <a:bodyPr wrap="square" rtlCol="0">
+            <a:spAutoFit/>
+          </a:bodyPr>
+          <a:lstStyle/>
+          <a:p>
+            <a:r>
+              <a:rPr lang="en-US" altLang="ko-KR" dirty="0"/>
+              <a:t>True</a:t>
+            </a:r>
+            <a:endParaRPr lang="ko-KR" altLang="en-US" dirty="0"/>
+          </a:p>
+        </p:txBody>
+      </p:sp>
+      <p:cxnSp>
+        <p:nvCxnSpPr>
+          <p:cNvPr id="107" name="연결선: 꺾임 106">
+            <a:extLst>
+              <a:ext uri="{FF2B5EF4-FFF2-40B4-BE49-F238E27FC236}">
+                <a16:creationId xmlns:a16="http://schemas.microsoft.com/office/drawing/2014/main" id="{28EE20F5-B1D9-483C-A0E5-AB583551BAFF}"/>
+              </a:ext>
+            </a:extLst>
+          </p:cNvPr>
+          <p:cNvCxnSpPr>
+            <a:stCxn id="101" idx="2"/>
+            <a:endCxn id="40" idx="3"/>
+          </p:cNvCxnSpPr>
+          <p:nvPr/>
+        </p:nvCxnSpPr>
+        <p:spPr>
+          <a:xfrm rot="16200000" flipH="1">
+            <a:off x="8740914" y="3649920"/>
+            <a:ext cx="3518570" cy="1330383"/>
+          </a:xfrm>
+          <a:prstGeom prst="bentConnector4">
+            <a:avLst>
+              <a:gd name="adj1" fmla="val 46571"/>
+              <a:gd name="adj2" fmla="val 117183"/>
+            </a:avLst>
+          </a:prstGeom>
+          <a:ln>
+            <a:tailEnd type="triangle"/>
+          </a:ln>
+        </p:spPr>
+        <p:style>
+          <a:lnRef idx="1">
+            <a:schemeClr val="accent1"/>
+          </a:lnRef>
+          <a:fillRef idx="0">
+            <a:schemeClr val="accent1"/>
+          </a:fillRef>
+          <a:effectRef idx="0">
+            <a:schemeClr val="accent1"/>
+          </a:effectRef>
+          <a:fontRef idx="minor">
+            <a:schemeClr val="tx1"/>
+          </a:fontRef>
+        </p:style>
+      </p:cxnSp>
+      <p:sp>
+        <p:nvSpPr>
+          <p:cNvPr id="109" name="TextBox 108">
+            <a:extLst>
+              <a:ext uri="{FF2B5EF4-FFF2-40B4-BE49-F238E27FC236}">
+                <a16:creationId xmlns:a16="http://schemas.microsoft.com/office/drawing/2014/main" id="{CDE6004E-261C-4189-A69B-846651CEEEF9}"/>
+              </a:ext>
+            </a:extLst>
+          </p:cNvPr>
+          <p:cNvSpPr txBox="1"/>
+          <p:nvPr/>
+        </p:nvSpPr>
+        <p:spPr>
+          <a:xfrm>
+            <a:off x="8351509" y="2453821"/>
+            <a:ext cx="818349" cy="369332"/>
+          </a:xfrm>
+          <a:prstGeom prst="rect">
+            <a:avLst/>
+          </a:prstGeom>
+          <a:noFill/>
+        </p:spPr>
+        <p:txBody>
+          <a:bodyPr wrap="square" rtlCol="0">
+            <a:spAutoFit/>
+          </a:bodyPr>
+          <a:lstStyle/>
+          <a:p>
+            <a:r>
+              <a:rPr lang="en-US" altLang="ko-KR" dirty="0"/>
+              <a:t>False</a:t>
+            </a:r>
+            <a:endParaRPr lang="ko-KR" altLang="en-US" dirty="0"/>
+          </a:p>
+        </p:txBody>
+      </p:sp>
+      <p:sp>
+        <p:nvSpPr>
+          <p:cNvPr id="112" name="직사각형 111">
+            <a:extLst>
+              <a:ext uri="{FF2B5EF4-FFF2-40B4-BE49-F238E27FC236}">
+                <a16:creationId xmlns:a16="http://schemas.microsoft.com/office/drawing/2014/main" id="{85057A0A-F95F-471E-BA92-1D51D9BEF865}"/>
+              </a:ext>
+            </a:extLst>
+          </p:cNvPr>
+          <p:cNvSpPr/>
+          <p:nvPr/>
+        </p:nvSpPr>
+        <p:spPr>
+          <a:xfrm>
+            <a:off x="7458495" y="2246040"/>
+            <a:ext cx="1126523" cy="283264"/>
+          </a:xfrm>
+          <a:prstGeom prst="rect">
+            <a:avLst/>
+          </a:prstGeom>
+        </p:spPr>
+        <p:style>
+          <a:lnRef idx="2">
+            <a:schemeClr val="accent1">
+              <a:shade val="50000"/>
+            </a:schemeClr>
+          </a:lnRef>
+          <a:fillRef idx="1">
+            <a:schemeClr val="accent1"/>
+          </a:fillRef>
+          <a:effectRef idx="0">
+            <a:schemeClr val="accent1"/>
+          </a:effectRef>
+          <a:fontRef idx="minor">
+            <a:schemeClr val="lt1"/>
+          </a:fontRef>
+        </p:style>
+        <p:txBody>
+          <a:bodyPr rtlCol="0" anchor="ctr"/>
+          <a:lstStyle/>
+          <a:p>
+            <a:pPr algn="ctr"/>
+            <a:r>
+              <a:rPr lang="en-US" altLang="ko-KR" dirty="0"/>
+              <a:t>working</a:t>
+            </a:r>
+          </a:p>
+        </p:txBody>
+      </p:sp>
+      <p:sp>
+        <p:nvSpPr>
+          <p:cNvPr id="116" name="직사각형 115">
+            <a:extLst>
+              <a:ext uri="{FF2B5EF4-FFF2-40B4-BE49-F238E27FC236}">
+                <a16:creationId xmlns:a16="http://schemas.microsoft.com/office/drawing/2014/main" id="{14393972-9544-4DC4-BEA5-D596C7E7B3F7}"/>
+              </a:ext>
+            </a:extLst>
+          </p:cNvPr>
+          <p:cNvSpPr/>
+          <p:nvPr/>
+        </p:nvSpPr>
+        <p:spPr>
+          <a:xfrm>
+            <a:off x="4815712" y="5162473"/>
+            <a:ext cx="1758597" cy="1160141"/>
+          </a:xfrm>
+          <a:prstGeom prst="rect">
+            <a:avLst/>
+          </a:prstGeom>
+          <a:solidFill>
+            <a:schemeClr val="accent2">
+              <a:lumMod val="75000"/>
+            </a:schemeClr>
+          </a:solidFill>
+        </p:spPr>
+        <p:style>
+          <a:lnRef idx="2">
+            <a:schemeClr val="accent1">
+              <a:shade val="50000"/>
+            </a:schemeClr>
+          </a:lnRef>
+          <a:fillRef idx="1">
+            <a:schemeClr val="accent1"/>
+          </a:fillRef>
+          <a:effectRef idx="0">
+            <a:schemeClr val="accent1"/>
+          </a:effectRef>
+          <a:fontRef idx="minor">
+            <a:schemeClr val="lt1"/>
+          </a:fontRef>
+        </p:style>
+        <p:txBody>
+          <a:bodyPr rtlCol="0" anchor="ctr"/>
+          <a:lstStyle/>
+          <a:p>
+            <a:pPr algn="ctr"/>
+            <a:r>
+              <a:rPr lang="en-US" altLang="ko-KR" dirty="0"/>
+              <a:t>MySQL</a:t>
+            </a:r>
+          </a:p>
+          <a:p>
+            <a:pPr algn="ctr"/>
+            <a:r>
+              <a:rPr lang="en-US" altLang="ko-KR" dirty="0"/>
+              <a:t>Database</a:t>
+            </a:r>
+          </a:p>
+        </p:txBody>
+      </p:sp>
+      <p:cxnSp>
+        <p:nvCxnSpPr>
+          <p:cNvPr id="118" name="직선 화살표 연결선 117">
+            <a:extLst>
+              <a:ext uri="{FF2B5EF4-FFF2-40B4-BE49-F238E27FC236}">
+                <a16:creationId xmlns:a16="http://schemas.microsoft.com/office/drawing/2014/main" id="{F492F734-3ABC-4F67-A963-B436D2049676}"/>
+              </a:ext>
+            </a:extLst>
+          </p:cNvPr>
+          <p:cNvCxnSpPr>
+            <a:cxnSpLocks/>
+          </p:cNvCxnSpPr>
+          <p:nvPr/>
+        </p:nvCxnSpPr>
+        <p:spPr>
+          <a:xfrm flipH="1">
+            <a:off x="6574309" y="6122505"/>
+            <a:ext cx="2828094" cy="8974"/>
           </a:xfrm>
           <a:prstGeom prst="straightConnector1">
+            <a:avLst/>
+          </a:prstGeom>
+          <a:ln>
+            <a:tailEnd type="triangle"/>
+          </a:ln>
+        </p:spPr>
+        <p:style>
+          <a:lnRef idx="1">
+            <a:schemeClr val="accent1"/>
+          </a:lnRef>
+          <a:fillRef idx="0">
+            <a:schemeClr val="accent1"/>
+          </a:fillRef>
+          <a:effectRef idx="0">
+            <a:schemeClr val="accent1"/>
+          </a:effectRef>
+          <a:fontRef idx="minor">
+            <a:schemeClr val="tx1"/>
+          </a:fontRef>
+        </p:style>
+      </p:cxnSp>
+      <p:sp>
+        <p:nvSpPr>
+          <p:cNvPr id="137" name="TextBox 136">
+            <a:extLst>
+              <a:ext uri="{FF2B5EF4-FFF2-40B4-BE49-F238E27FC236}">
+                <a16:creationId xmlns:a16="http://schemas.microsoft.com/office/drawing/2014/main" id="{020A901F-66AC-4230-A4DC-75AE403EDF90}"/>
+              </a:ext>
+            </a:extLst>
+          </p:cNvPr>
+          <p:cNvSpPr txBox="1"/>
+          <p:nvPr/>
+        </p:nvSpPr>
+        <p:spPr>
+          <a:xfrm>
+            <a:off x="851612" y="5072208"/>
+            <a:ext cx="4951548" cy="954107"/>
+          </a:xfrm>
+          <a:prstGeom prst="rect">
+            <a:avLst/>
+          </a:prstGeom>
+          <a:noFill/>
+        </p:spPr>
+        <p:txBody>
+          <a:bodyPr wrap="square" rtlCol="0">
+            <a:spAutoFit/>
+          </a:bodyPr>
+          <a:lstStyle/>
+          <a:p>
+            <a:r>
+              <a:rPr lang="ko-KR" altLang="en-US" sz="2800" b="1" dirty="0">
+                <a:highlight>
+                  <a:srgbClr val="FFFF00"/>
+                </a:highlight>
+              </a:rPr>
+              <a:t>서버 </a:t>
+            </a:r>
+            <a:endParaRPr lang="en-US" altLang="ko-KR" sz="2800" b="1" dirty="0">
+              <a:highlight>
+                <a:srgbClr val="FFFF00"/>
+              </a:highlight>
+            </a:endParaRPr>
+          </a:p>
+          <a:p>
+            <a:r>
+              <a:rPr lang="ko-KR" altLang="en-US" sz="2800" b="1" dirty="0">
+                <a:highlight>
+                  <a:srgbClr val="FFFF00"/>
+                </a:highlight>
+              </a:rPr>
+              <a:t>설계 </a:t>
+            </a:r>
+            <a:r>
+              <a:rPr lang="en-US" altLang="ko-KR" sz="2800" b="1" dirty="0">
+                <a:highlight>
+                  <a:srgbClr val="FFFF00"/>
+                </a:highlight>
+              </a:rPr>
+              <a:t>&amp; </a:t>
+            </a:r>
+            <a:r>
+              <a:rPr lang="ko-KR" altLang="en-US" sz="2800" b="1" dirty="0">
+                <a:highlight>
+                  <a:srgbClr val="FFFF00"/>
+                </a:highlight>
+              </a:rPr>
+              <a:t>실행 흐름</a:t>
+            </a:r>
+          </a:p>
+        </p:txBody>
+      </p:sp>
+      <p:sp>
+        <p:nvSpPr>
+          <p:cNvPr id="138" name="직사각형 137">
+            <a:extLst>
+              <a:ext uri="{FF2B5EF4-FFF2-40B4-BE49-F238E27FC236}">
+                <a16:creationId xmlns:a16="http://schemas.microsoft.com/office/drawing/2014/main" id="{7C22A149-5B2B-4998-89BD-60F36B7F937A}"/>
+              </a:ext>
+            </a:extLst>
+          </p:cNvPr>
+          <p:cNvSpPr/>
+          <p:nvPr/>
+        </p:nvSpPr>
+        <p:spPr>
+          <a:xfrm>
+            <a:off x="8229956" y="3305432"/>
+            <a:ext cx="2484351" cy="369332"/>
+          </a:xfrm>
+          <a:prstGeom prst="rect">
+            <a:avLst/>
+          </a:prstGeom>
+          <a:solidFill>
+            <a:srgbClr val="C00000"/>
+          </a:solidFill>
+        </p:spPr>
+        <p:style>
+          <a:lnRef idx="2">
+            <a:schemeClr val="accent1">
+              <a:shade val="50000"/>
+            </a:schemeClr>
+          </a:lnRef>
+          <a:fillRef idx="1">
+            <a:schemeClr val="accent1"/>
+          </a:fillRef>
+          <a:effectRef idx="0">
+            <a:schemeClr val="accent1"/>
+          </a:effectRef>
+          <a:fontRef idx="minor">
+            <a:schemeClr val="lt1"/>
+          </a:fontRef>
+        </p:style>
+        <p:txBody>
+          <a:bodyPr rtlCol="0" anchor="ctr"/>
+          <a:lstStyle/>
+          <a:p>
+            <a:pPr algn="ctr"/>
+            <a:r>
+              <a:rPr lang="en-US" altLang="ko-KR" dirty="0"/>
+              <a:t>Redis Cache Manager</a:t>
+            </a:r>
+          </a:p>
+        </p:txBody>
+      </p:sp>
+      <p:sp>
+        <p:nvSpPr>
+          <p:cNvPr id="56" name="TextBox 55">
+            <a:extLst>
+              <a:ext uri="{FF2B5EF4-FFF2-40B4-BE49-F238E27FC236}">
+                <a16:creationId xmlns:a16="http://schemas.microsoft.com/office/drawing/2014/main" id="{70AF576A-80DB-4FCF-B1CC-DB6A3DE98534}"/>
+              </a:ext>
+            </a:extLst>
+          </p:cNvPr>
+          <p:cNvSpPr txBox="1"/>
+          <p:nvPr/>
+        </p:nvSpPr>
+        <p:spPr>
+          <a:xfrm>
+            <a:off x="9835006" y="3634890"/>
+            <a:ext cx="818349" cy="369332"/>
+          </a:xfrm>
+          <a:prstGeom prst="rect">
+            <a:avLst/>
+          </a:prstGeom>
+          <a:noFill/>
+        </p:spPr>
+        <p:txBody>
+          <a:bodyPr wrap="square" rtlCol="0">
+            <a:spAutoFit/>
+          </a:bodyPr>
+          <a:lstStyle/>
+          <a:p>
+            <a:r>
+              <a:rPr lang="en-US" altLang="ko-KR" dirty="0"/>
+              <a:t>miss</a:t>
+            </a:r>
+            <a:endParaRPr lang="ko-KR" altLang="en-US" dirty="0"/>
+          </a:p>
+        </p:txBody>
+      </p:sp>
+      <p:sp>
+        <p:nvSpPr>
+          <p:cNvPr id="59" name="TextBox 58">
+            <a:extLst>
+              <a:ext uri="{FF2B5EF4-FFF2-40B4-BE49-F238E27FC236}">
+                <a16:creationId xmlns:a16="http://schemas.microsoft.com/office/drawing/2014/main" id="{50343708-1F8A-4F85-9FD4-EF8DB3EE40CB}"/>
+              </a:ext>
+            </a:extLst>
+          </p:cNvPr>
+          <p:cNvSpPr txBox="1"/>
+          <p:nvPr/>
+        </p:nvSpPr>
+        <p:spPr>
+          <a:xfrm>
+            <a:off x="7817296" y="3453581"/>
+            <a:ext cx="818349" cy="369332"/>
+          </a:xfrm>
+          <a:prstGeom prst="rect">
+            <a:avLst/>
+          </a:prstGeom>
+          <a:noFill/>
+        </p:spPr>
+        <p:txBody>
+          <a:bodyPr wrap="square" rtlCol="0">
+            <a:spAutoFit/>
+          </a:bodyPr>
+          <a:lstStyle/>
+          <a:p>
+            <a:r>
+              <a:rPr lang="en-US" altLang="ko-KR" dirty="0"/>
+              <a:t>hit</a:t>
+            </a:r>
+            <a:endParaRPr lang="ko-KR" altLang="en-US" dirty="0"/>
+          </a:p>
+        </p:txBody>
+      </p:sp>
+      <p:cxnSp>
+        <p:nvCxnSpPr>
+          <p:cNvPr id="5" name="연결선: 꺾임 4">
+            <a:extLst>
+              <a:ext uri="{FF2B5EF4-FFF2-40B4-BE49-F238E27FC236}">
+                <a16:creationId xmlns:a16="http://schemas.microsoft.com/office/drawing/2014/main" id="{23A92E2E-76A3-43A3-A4FB-7246C51F0518}"/>
+              </a:ext>
+            </a:extLst>
+          </p:cNvPr>
+          <p:cNvCxnSpPr>
+            <a:stCxn id="138" idx="1"/>
+            <a:endCxn id="112" idx="2"/>
+          </p:cNvCxnSpPr>
+          <p:nvPr/>
+        </p:nvCxnSpPr>
+        <p:spPr>
+          <a:xfrm rot="10800000">
+            <a:off x="8021758" y="2529304"/>
+            <a:ext cx="208199" cy="960794"/>
+          </a:xfrm>
+          <a:prstGeom prst="bentConnector2">
             <a:avLst/>
           </a:prstGeom>
           <a:ln>
@@ -6598,25 +8299,25 @@
       </p:cxnSp>
       <p:cxnSp>
         <p:nvCxnSpPr>
-          <p:cNvPr id="29" name="직선 화살표 연결선 28">
-            <a:extLst>
-              <a:ext uri="{FF2B5EF4-FFF2-40B4-BE49-F238E27FC236}">
-                <a16:creationId xmlns:a16="http://schemas.microsoft.com/office/drawing/2014/main" id="{039029E0-78B7-4E67-ACD2-1A9BBBC5CAA1}"/>
+          <p:cNvPr id="12" name="연결선: 꺾임 11">
+            <a:extLst>
+              <a:ext uri="{FF2B5EF4-FFF2-40B4-BE49-F238E27FC236}">
+                <a16:creationId xmlns:a16="http://schemas.microsoft.com/office/drawing/2014/main" id="{B5C50F33-F4CC-45C0-85D8-55A4AF1A9CBC}"/>
               </a:ext>
             </a:extLst>
           </p:cNvPr>
           <p:cNvCxnSpPr>
-            <a:stCxn id="15" idx="3"/>
-            <a:endCxn id="17" idx="1"/>
+            <a:cxnSpLocks/>
+            <a:stCxn id="116" idx="3"/>
           </p:cNvCxnSpPr>
           <p:nvPr/>
         </p:nvCxnSpPr>
         <p:spPr>
           <a:xfrm flipV="1">
-            <a:off x="2826327" y="3730080"/>
-            <a:ext cx="501072" cy="1"/>
-          </a:xfrm>
-          <a:prstGeom prst="straightConnector1">
+            <a:off x="6574309" y="3674764"/>
+            <a:ext cx="2061336" cy="2067780"/>
+          </a:xfrm>
+          <a:prstGeom prst="bentConnector2">
             <a:avLst/>
           </a:prstGeom>
           <a:ln>
@@ -6638,288 +8339,6 @@
           </a:fontRef>
         </p:style>
       </p:cxnSp>
-      <p:cxnSp>
-        <p:nvCxnSpPr>
-          <p:cNvPr id="31" name="직선 화살표 연결선 30">
-            <a:extLst>
-              <a:ext uri="{FF2B5EF4-FFF2-40B4-BE49-F238E27FC236}">
-                <a16:creationId xmlns:a16="http://schemas.microsoft.com/office/drawing/2014/main" id="{84215428-3DC5-4A08-9FF0-F714C9006A8B}"/>
-              </a:ext>
-            </a:extLst>
-          </p:cNvPr>
-          <p:cNvCxnSpPr>
-            <a:stCxn id="17" idx="2"/>
-            <a:endCxn id="19" idx="0"/>
-          </p:cNvCxnSpPr>
-          <p:nvPr/>
-        </p:nvCxnSpPr>
-        <p:spPr>
-          <a:xfrm>
-            <a:off x="4569691" y="4031160"/>
-            <a:ext cx="0" cy="754175"/>
-          </a:xfrm>
-          <a:prstGeom prst="straightConnector1">
-            <a:avLst/>
-          </a:prstGeom>
-          <a:ln>
-            <a:tailEnd type="triangle"/>
-          </a:ln>
-        </p:spPr>
-        <p:style>
-          <a:lnRef idx="1">
-            <a:schemeClr val="accent1"/>
-          </a:lnRef>
-          <a:fillRef idx="0">
-            <a:schemeClr val="accent1"/>
-          </a:fillRef>
-          <a:effectRef idx="0">
-            <a:schemeClr val="accent1"/>
-          </a:effectRef>
-          <a:fontRef idx="minor">
-            <a:schemeClr val="tx1"/>
-          </a:fontRef>
-        </p:style>
-      </p:cxnSp>
-      <p:cxnSp>
-        <p:nvCxnSpPr>
-          <p:cNvPr id="33" name="직선 화살표 연결선 32">
-            <a:extLst>
-              <a:ext uri="{FF2B5EF4-FFF2-40B4-BE49-F238E27FC236}">
-                <a16:creationId xmlns:a16="http://schemas.microsoft.com/office/drawing/2014/main" id="{7ECDCC30-6CE4-4A45-909E-810772655348}"/>
-              </a:ext>
-            </a:extLst>
-          </p:cNvPr>
-          <p:cNvCxnSpPr>
-            <a:stCxn id="17" idx="3"/>
-            <a:endCxn id="18" idx="1"/>
-          </p:cNvCxnSpPr>
-          <p:nvPr/>
-        </p:nvCxnSpPr>
-        <p:spPr>
-          <a:xfrm flipV="1">
-            <a:off x="5811983" y="3730079"/>
-            <a:ext cx="501073" cy="1"/>
-          </a:xfrm>
-          <a:prstGeom prst="straightConnector1">
-            <a:avLst/>
-          </a:prstGeom>
-          <a:ln>
-            <a:tailEnd type="triangle"/>
-          </a:ln>
-        </p:spPr>
-        <p:style>
-          <a:lnRef idx="1">
-            <a:schemeClr val="accent1"/>
-          </a:lnRef>
-          <a:fillRef idx="0">
-            <a:schemeClr val="accent1"/>
-          </a:fillRef>
-          <a:effectRef idx="0">
-            <a:schemeClr val="accent1"/>
-          </a:effectRef>
-          <a:fontRef idx="minor">
-            <a:schemeClr val="tx1"/>
-          </a:fontRef>
-        </p:style>
-      </p:cxnSp>
-      <p:cxnSp>
-        <p:nvCxnSpPr>
-          <p:cNvPr id="35" name="직선 화살표 연결선 34">
-            <a:extLst>
-              <a:ext uri="{FF2B5EF4-FFF2-40B4-BE49-F238E27FC236}">
-                <a16:creationId xmlns:a16="http://schemas.microsoft.com/office/drawing/2014/main" id="{E0227464-A0A3-4CBA-8347-43F4C1CC2D72}"/>
-              </a:ext>
-            </a:extLst>
-          </p:cNvPr>
-          <p:cNvCxnSpPr>
-            <a:cxnSpLocks/>
-            <a:endCxn id="20" idx="0"/>
-          </p:cNvCxnSpPr>
-          <p:nvPr/>
-        </p:nvCxnSpPr>
-        <p:spPr>
-          <a:xfrm>
-            <a:off x="10245439" y="3730078"/>
-            <a:ext cx="0" cy="1055257"/>
-          </a:xfrm>
-          <a:prstGeom prst="straightConnector1">
-            <a:avLst/>
-          </a:prstGeom>
-          <a:ln>
-            <a:tailEnd type="triangle"/>
-          </a:ln>
-        </p:spPr>
-        <p:style>
-          <a:lnRef idx="1">
-            <a:schemeClr val="accent1"/>
-          </a:lnRef>
-          <a:fillRef idx="0">
-            <a:schemeClr val="accent1"/>
-          </a:fillRef>
-          <a:effectRef idx="0">
-            <a:schemeClr val="accent1"/>
-          </a:effectRef>
-          <a:fontRef idx="minor">
-            <a:schemeClr val="tx1"/>
-          </a:fontRef>
-        </p:style>
-      </p:cxnSp>
-      <p:cxnSp>
-        <p:nvCxnSpPr>
-          <p:cNvPr id="37" name="직선 화살표 연결선 36">
-            <a:extLst>
-              <a:ext uri="{FF2B5EF4-FFF2-40B4-BE49-F238E27FC236}">
-                <a16:creationId xmlns:a16="http://schemas.microsoft.com/office/drawing/2014/main" id="{86ED00CE-C139-407B-905E-6FF364B30123}"/>
-              </a:ext>
-            </a:extLst>
-          </p:cNvPr>
-          <p:cNvCxnSpPr>
-            <a:cxnSpLocks/>
-            <a:stCxn id="19" idx="3"/>
-            <a:endCxn id="20" idx="1"/>
-          </p:cNvCxnSpPr>
-          <p:nvPr/>
-        </p:nvCxnSpPr>
-        <p:spPr>
-          <a:xfrm>
-            <a:off x="5811983" y="5086416"/>
-            <a:ext cx="3191164" cy="0"/>
-          </a:xfrm>
-          <a:prstGeom prst="straightConnector1">
-            <a:avLst/>
-          </a:prstGeom>
-          <a:ln>
-            <a:tailEnd type="triangle"/>
-          </a:ln>
-        </p:spPr>
-        <p:style>
-          <a:lnRef idx="1">
-            <a:schemeClr val="accent1"/>
-          </a:lnRef>
-          <a:fillRef idx="0">
-            <a:schemeClr val="accent1"/>
-          </a:fillRef>
-          <a:effectRef idx="0">
-            <a:schemeClr val="accent1"/>
-          </a:effectRef>
-          <a:fontRef idx="minor">
-            <a:schemeClr val="tx1"/>
-          </a:fontRef>
-        </p:style>
-      </p:cxnSp>
-      <p:cxnSp>
-        <p:nvCxnSpPr>
-          <p:cNvPr id="45" name="직선 연결선 44">
-            <a:extLst>
-              <a:ext uri="{FF2B5EF4-FFF2-40B4-BE49-F238E27FC236}">
-                <a16:creationId xmlns:a16="http://schemas.microsoft.com/office/drawing/2014/main" id="{3B322D5C-C91B-4EBC-B37E-E72C21806CD6}"/>
-              </a:ext>
-            </a:extLst>
-          </p:cNvPr>
-          <p:cNvCxnSpPr>
-            <a:stCxn id="18" idx="3"/>
-          </p:cNvCxnSpPr>
-          <p:nvPr/>
-        </p:nvCxnSpPr>
-        <p:spPr>
-          <a:xfrm flipV="1">
-            <a:off x="8797640" y="3730078"/>
-            <a:ext cx="1447799" cy="1"/>
-          </a:xfrm>
-          <a:prstGeom prst="line">
-            <a:avLst/>
-          </a:prstGeom>
-        </p:spPr>
-        <p:style>
-          <a:lnRef idx="1">
-            <a:schemeClr val="accent1"/>
-          </a:lnRef>
-          <a:fillRef idx="0">
-            <a:schemeClr val="accent1"/>
-          </a:fillRef>
-          <a:effectRef idx="0">
-            <a:schemeClr val="accent1"/>
-          </a:effectRef>
-          <a:fontRef idx="minor">
-            <a:schemeClr val="tx1"/>
-          </a:fontRef>
-        </p:style>
-      </p:cxnSp>
-      <p:sp>
-        <p:nvSpPr>
-          <p:cNvPr id="47" name="TextBox 46">
-            <a:extLst>
-              <a:ext uri="{FF2B5EF4-FFF2-40B4-BE49-F238E27FC236}">
-                <a16:creationId xmlns:a16="http://schemas.microsoft.com/office/drawing/2014/main" id="{BB1A947A-8B15-4629-8F3C-60B669020762}"/>
-              </a:ext>
-            </a:extLst>
-          </p:cNvPr>
-          <p:cNvSpPr txBox="1"/>
-          <p:nvPr/>
-        </p:nvSpPr>
-        <p:spPr>
-          <a:xfrm>
-            <a:off x="3000031" y="4408247"/>
-            <a:ext cx="1569660" cy="369332"/>
-          </a:xfrm>
-          <a:prstGeom prst="rect">
-            <a:avLst/>
-          </a:prstGeom>
-          <a:noFill/>
-        </p:spPr>
-        <p:txBody>
-          <a:bodyPr wrap="none" rtlCol="0">
-            <a:spAutoFit/>
-          </a:bodyPr>
-          <a:lstStyle/>
-          <a:p>
-            <a:r>
-              <a:rPr lang="ko-KR" altLang="en-US" dirty="0" err="1"/>
-              <a:t>브로드캐스팅</a:t>
-            </a:r>
-            <a:endParaRPr lang="ko-KR" altLang="en-US" dirty="0"/>
-          </a:p>
-        </p:txBody>
-      </p:sp>
-      <p:sp>
-        <p:nvSpPr>
-          <p:cNvPr id="48" name="TextBox 47">
-            <a:extLst>
-              <a:ext uri="{FF2B5EF4-FFF2-40B4-BE49-F238E27FC236}">
-                <a16:creationId xmlns:a16="http://schemas.microsoft.com/office/drawing/2014/main" id="{25285EA4-0912-49AB-8DFB-1A11A2B6A236}"/>
-              </a:ext>
-            </a:extLst>
-          </p:cNvPr>
-          <p:cNvSpPr txBox="1"/>
-          <p:nvPr/>
-        </p:nvSpPr>
-        <p:spPr>
-          <a:xfrm>
-            <a:off x="6313055" y="3093792"/>
-            <a:ext cx="950901" cy="369332"/>
-          </a:xfrm>
-          <a:prstGeom prst="rect">
-            <a:avLst/>
-          </a:prstGeom>
-          <a:noFill/>
-        </p:spPr>
-        <p:txBody>
-          <a:bodyPr wrap="none" rtlCol="0">
-            <a:spAutoFit/>
-          </a:bodyPr>
-          <a:lstStyle/>
-          <a:p>
-            <a:r>
-              <a:rPr lang="en-US" altLang="ko-KR" dirty="0"/>
-              <a:t>1:1</a:t>
-            </a:r>
-            <a:r>
-              <a:rPr lang="ko-KR" altLang="en-US" dirty="0"/>
-              <a:t>통신</a:t>
-            </a:r>
-          </a:p>
-        </p:txBody>
-      </p:sp>
     </p:spTree>
     <p:extLst>
       <p:ext uri="{BB962C8B-B14F-4D97-AF65-F5344CB8AC3E}">

--- a/ppt1.pptx
+++ b/ppt1.pptx
@@ -5806,51 +5806,6 @@
       </p:grpSpPr>
       <p:cxnSp>
         <p:nvCxnSpPr>
-          <p:cNvPr id="7" name="연결선: 꺾임 6">
-            <a:extLst>
-              <a:ext uri="{FF2B5EF4-FFF2-40B4-BE49-F238E27FC236}">
-                <a16:creationId xmlns:a16="http://schemas.microsoft.com/office/drawing/2014/main" id="{E7DF9FA1-088B-4818-B8FF-435B961C110B}"/>
-              </a:ext>
-            </a:extLst>
-          </p:cNvPr>
-          <p:cNvCxnSpPr>
-            <a:cxnSpLocks/>
-            <a:stCxn id="40" idx="3"/>
-          </p:cNvCxnSpPr>
-          <p:nvPr/>
-        </p:nvCxnSpPr>
-        <p:spPr>
-          <a:xfrm flipH="1" flipV="1">
-            <a:off x="9835006" y="2555826"/>
-            <a:ext cx="1330385" cy="3518571"/>
-          </a:xfrm>
-          <a:prstGeom prst="bentConnector4">
-            <a:avLst>
-              <a:gd name="adj1" fmla="val -17183"/>
-              <a:gd name="adj2" fmla="val 53429"/>
-            </a:avLst>
-          </a:prstGeom>
-          <a:ln>
-            <a:tailEnd type="triangle"/>
-          </a:ln>
-        </p:spPr>
-        <p:style>
-          <a:lnRef idx="1">
-            <a:schemeClr val="accent1"/>
-          </a:lnRef>
-          <a:fillRef idx="0">
-            <a:schemeClr val="accent1"/>
-          </a:fillRef>
-          <a:effectRef idx="0">
-            <a:schemeClr val="accent1"/>
-          </a:effectRef>
-          <a:fontRef idx="minor">
-            <a:schemeClr val="tx1"/>
-          </a:fontRef>
-        </p:style>
-      </p:cxnSp>
-      <p:cxnSp>
-        <p:nvCxnSpPr>
           <p:cNvPr id="114" name="연결선: 꺾임 113">
             <a:extLst>
               <a:ext uri="{FF2B5EF4-FFF2-40B4-BE49-F238E27FC236}">
@@ -7839,14 +7794,13 @@
             </a:extLst>
           </p:cNvPr>
           <p:cNvCxnSpPr>
-            <a:stCxn id="101" idx="2"/>
-            <a:endCxn id="40" idx="3"/>
+            <a:cxnSpLocks/>
           </p:cNvCxnSpPr>
           <p:nvPr/>
         </p:nvCxnSpPr>
         <p:spPr>
           <a:xfrm rot="16200000" flipH="1">
-            <a:off x="8740914" y="3649920"/>
+            <a:off x="8730590" y="3622814"/>
             <a:ext cx="3518570" cy="1330383"/>
           </a:xfrm>
           <a:prstGeom prst="bentConnector4">
@@ -8318,6 +8272,47 @@
             <a:ext cx="2061336" cy="2067780"/>
           </a:xfrm>
           <a:prstGeom prst="bentConnector2">
+            <a:avLst/>
+          </a:prstGeom>
+          <a:ln>
+            <a:tailEnd type="triangle"/>
+          </a:ln>
+        </p:spPr>
+        <p:style>
+          <a:lnRef idx="1">
+            <a:schemeClr val="accent1"/>
+          </a:lnRef>
+          <a:fillRef idx="0">
+            <a:schemeClr val="accent1"/>
+          </a:fillRef>
+          <a:effectRef idx="0">
+            <a:schemeClr val="accent1"/>
+          </a:effectRef>
+          <a:fontRef idx="minor">
+            <a:schemeClr val="tx1"/>
+          </a:fontRef>
+        </p:style>
+      </p:cxnSp>
+      <p:cxnSp>
+        <p:nvCxnSpPr>
+          <p:cNvPr id="6" name="직선 화살표 연결선 5">
+            <a:extLst>
+              <a:ext uri="{FF2B5EF4-FFF2-40B4-BE49-F238E27FC236}">
+                <a16:creationId xmlns:a16="http://schemas.microsoft.com/office/drawing/2014/main" id="{44B481A5-030B-4EB9-99DD-5DE2C9517D20}"/>
+              </a:ext>
+            </a:extLst>
+          </p:cNvPr>
+          <p:cNvCxnSpPr>
+            <a:cxnSpLocks/>
+          </p:cNvCxnSpPr>
+          <p:nvPr/>
+        </p:nvCxnSpPr>
+        <p:spPr>
+          <a:xfrm flipH="1">
+            <a:off x="9824683" y="2536010"/>
+            <a:ext cx="1" cy="749604"/>
+          </a:xfrm>
+          <a:prstGeom prst="straightConnector1">
             <a:avLst/>
           </a:prstGeom>
           <a:ln>
